--- a/Presentations/Proposal_Presentation.pptx
+++ b/Presentations/Proposal_Presentation.pptx
@@ -16,9 +16,9 @@
     <p:sldId id="358" r:id="rId7"/>
     <p:sldId id="359" r:id="rId8"/>
     <p:sldId id="326" r:id="rId9"/>
-    <p:sldId id="276" r:id="rId10"/>
-    <p:sldId id="356" r:id="rId11"/>
-    <p:sldId id="361" r:id="rId12"/>
+    <p:sldId id="361" r:id="rId10"/>
+    <p:sldId id="276" r:id="rId11"/>
+    <p:sldId id="356" r:id="rId12"/>
     <p:sldId id="321" r:id="rId13"/>
   </p:sldIdLst>
   <p:sldSz cx="12192000" cy="6858000"/>
@@ -223,7 +223,7 @@
           <a:p>
             <a:fld id="{B80D95BA-7ABD-45D4-B691-9F58B13542F8}" type="datetimeFigureOut">
               <a:rPr lang="en-US" smtClean="0"/>
-              <a:t>10/23/2021</a:t>
+              <a:t>10/25/2021</a:t>
             </a:fld>
             <a:endParaRPr lang="en-US" dirty="0"/>
           </a:p>
@@ -400,7 +400,7 @@
           <a:p>
             <a:fld id="{599D14A6-BAC8-4A71-919C-314181CF34EF}" type="datetimeFigureOut">
               <a:rPr lang="en-US" smtClean="0"/>
-              <a:t>10/23/2021</a:t>
+              <a:t>10/25/2021</a:t>
             </a:fld>
             <a:endParaRPr lang="en-US" dirty="0"/>
           </a:p>
@@ -1186,7 +1186,7 @@
           <a:p>
             <a:fld id="{6524D99E-06C2-4ACA-84FC-8F6740F111CE}" type="slidenum">
               <a:rPr lang="en-US" smtClean="0"/>
-              <a:t>6</a:t>
+              <a:t>7</a:t>
             </a:fld>
             <a:endParaRPr lang="en-US" dirty="0"/>
           </a:p>
@@ -25390,7 +25390,7 @@
         </p:spPr>
         <p:txBody>
           <a:bodyPr vert="horz" lIns="109728" tIns="109728" rIns="109728" bIns="91440" rtlCol="0" anchor="b">
-            <a:normAutofit/>
+            <a:normAutofit fontScale="90000"/>
           </a:bodyPr>
           <a:lstStyle/>
           <a:p>
@@ -28154,6 +28154,1123 @@
 <file path=ppt/slides/slide6.xml><?xml version="1.0" encoding="utf-8"?>
 <p:sld xmlns:a="http://schemas.openxmlformats.org/drawingml/2006/main" xmlns:r="http://schemas.openxmlformats.org/officeDocument/2006/relationships" xmlns:p="http://schemas.openxmlformats.org/presentationml/2006/main">
   <p:cSld>
+    <p:bg>
+      <p:bgPr>
+        <a:solidFill>
+          <a:schemeClr val="bg2"/>
+        </a:solidFill>
+        <a:effectLst/>
+      </p:bgPr>
+    </p:bg>
+    <p:spTree>
+      <p:nvGrpSpPr>
+        <p:cNvPr id="1" name=""/>
+        <p:cNvGrpSpPr/>
+        <p:nvPr/>
+      </p:nvGrpSpPr>
+      <p:grpSpPr>
+        <a:xfrm>
+          <a:off x="0" y="0"/>
+          <a:ext cx="0" cy="0"/>
+          <a:chOff x="0" y="0"/>
+          <a:chExt cx="0" cy="0"/>
+        </a:xfrm>
+      </p:grpSpPr>
+      <p:sp useBgFill="1">
+        <p:nvSpPr>
+          <p:cNvPr id="88" name="Rectangle 79">
+            <a:extLst>
+              <a:ext uri="{FF2B5EF4-FFF2-40B4-BE49-F238E27FC236}">
+                <a16:creationId xmlns:a16="http://schemas.microsoft.com/office/drawing/2014/main" id="{8950AD4C-6AF3-49F8-94E1-DBCAFB39478B}"/>
+              </a:ext>
+              <a:ext uri="{C183D7F6-B498-43B3-948B-1728B52AA6E4}">
+                <adec:decorative xmlns:adec="http://schemas.microsoft.com/office/drawing/2017/decorative" val="1"/>
+              </a:ext>
+            </a:extLst>
+          </p:cNvPr>
+          <p:cNvSpPr>
+            <a:spLocks noGrp="1" noRot="1" noChangeAspect="1" noMove="1" noResize="1" noEditPoints="1" noAdjustHandles="1" noChangeArrowheads="1" noChangeShapeType="1" noTextEdit="1"/>
+          </p:cNvSpPr>
+          <p:nvPr>
+            <p:extLst>
+              <p:ext uri="{386F3935-93C4-4BCD-93E2-E3B085C9AB24}">
+                <p16:designElem xmlns:p16="http://schemas.microsoft.com/office/powerpoint/2015/main" val="1"/>
+              </p:ext>
+            </p:extLst>
+          </p:nvPr>
+        </p:nvSpPr>
+        <p:spPr>
+          <a:xfrm>
+            <a:off x="0" y="0"/>
+            <a:ext cx="12192000" cy="6858000"/>
+          </a:xfrm>
+          <a:prstGeom prst="rect">
+            <a:avLst/>
+          </a:prstGeom>
+          <a:ln>
+            <a:noFill/>
+          </a:ln>
+        </p:spPr>
+        <p:style>
+          <a:lnRef idx="2">
+            <a:schemeClr val="accent1">
+              <a:shade val="50000"/>
+            </a:schemeClr>
+          </a:lnRef>
+          <a:fillRef idx="1">
+            <a:schemeClr val="accent1"/>
+          </a:fillRef>
+          <a:effectRef idx="0">
+            <a:schemeClr val="accent1"/>
+          </a:effectRef>
+          <a:fontRef idx="minor">
+            <a:schemeClr val="lt1"/>
+          </a:fontRef>
+        </p:style>
+        <p:txBody>
+          <a:bodyPr rtlCol="0" anchor="ctr"/>
+          <a:lstStyle/>
+          <a:p>
+            <a:pPr algn="ctr"/>
+            <a:endParaRPr lang="en-US"/>
+          </a:p>
+        </p:txBody>
+      </p:sp>
+      <p:sp>
+        <p:nvSpPr>
+          <p:cNvPr id="89" name="Freeform: Shape 81">
+            <a:extLst>
+              <a:ext uri="{FF2B5EF4-FFF2-40B4-BE49-F238E27FC236}">
+                <a16:creationId xmlns:a16="http://schemas.microsoft.com/office/drawing/2014/main" id="{55C62259-4F90-418D-908C-9127ACC5FE90}"/>
+              </a:ext>
+              <a:ext uri="{C183D7F6-B498-43B3-948B-1728B52AA6E4}">
+                <adec:decorative xmlns:adec="http://schemas.microsoft.com/office/drawing/2017/decorative" val="1"/>
+              </a:ext>
+            </a:extLst>
+          </p:cNvPr>
+          <p:cNvSpPr>
+            <a:spLocks noGrp="1" noRot="1" noChangeAspect="1" noMove="1" noResize="1" noEditPoints="1" noAdjustHandles="1" noChangeArrowheads="1" noChangeShapeType="1" noTextEdit="1"/>
+          </p:cNvSpPr>
+          <p:nvPr>
+            <p:extLst>
+              <p:ext uri="{386F3935-93C4-4BCD-93E2-E3B085C9AB24}">
+                <p16:designElem xmlns:p16="http://schemas.microsoft.com/office/powerpoint/2015/main" val="1"/>
+              </p:ext>
+            </p:extLst>
+          </p:nvPr>
+        </p:nvSpPr>
+        <p:spPr>
+          <a:xfrm>
+            <a:off x="2630839" y="370224"/>
+            <a:ext cx="7203799" cy="6030364"/>
+          </a:xfrm>
+          <a:custGeom>
+            <a:avLst/>
+            <a:gdLst>
+              <a:gd name="connsiteX0" fmla="*/ 2180840 w 3810827"/>
+              <a:gd name="connsiteY0" fmla="*/ 0 h 3634591"/>
+              <a:gd name="connsiteX1" fmla="*/ 2866380 w 3810827"/>
+              <a:gd name="connsiteY1" fmla="*/ 145165 h 3634591"/>
+              <a:gd name="connsiteX2" fmla="*/ 3366366 w 3810827"/>
+              <a:gd name="connsiteY2" fmla="*/ 536835 h 3634591"/>
+              <a:gd name="connsiteX3" fmla="*/ 3810827 w 3810827"/>
+              <a:gd name="connsiteY3" fmla="*/ 1924156 h 3634591"/>
+              <a:gd name="connsiteX4" fmla="*/ 3612844 w 3810827"/>
+              <a:gd name="connsiteY4" fmla="*/ 2493111 h 3634591"/>
+              <a:gd name="connsiteX5" fmla="*/ 3026664 w 3810827"/>
+              <a:gd name="connsiteY5" fmla="*/ 3022891 h 3634591"/>
+              <a:gd name="connsiteX6" fmla="*/ 2897783 w 3810827"/>
+              <a:gd name="connsiteY6" fmla="*/ 3124233 h 3634591"/>
+              <a:gd name="connsiteX7" fmla="*/ 1838765 w 3810827"/>
+              <a:gd name="connsiteY7" fmla="*/ 3634591 h 3634591"/>
+              <a:gd name="connsiteX8" fmla="*/ 443724 w 3810827"/>
+              <a:gd name="connsiteY8" fmla="*/ 2805020 h 3634591"/>
+              <a:gd name="connsiteX9" fmla="*/ 295053 w 3810827"/>
+              <a:gd name="connsiteY9" fmla="*/ 2592792 h 3634591"/>
+              <a:gd name="connsiteX10" fmla="*/ 0 w 3810827"/>
+              <a:gd name="connsiteY10" fmla="*/ 1924156 h 3634591"/>
+              <a:gd name="connsiteX11" fmla="*/ 178275 w 3810827"/>
+              <a:gd name="connsiteY11" fmla="*/ 1204061 h 3634591"/>
+              <a:gd name="connsiteX12" fmla="*/ 669921 w 3810827"/>
+              <a:gd name="connsiteY12" fmla="*/ 585306 h 3634591"/>
+              <a:gd name="connsiteX13" fmla="*/ 1380730 w 3810827"/>
+              <a:gd name="connsiteY13" fmla="*/ 156203 h 3634591"/>
+              <a:gd name="connsiteX14" fmla="*/ 2180840 w 3810827"/>
+              <a:gd name="connsiteY14" fmla="*/ 0 h 3634591"/>
+            </a:gdLst>
+            <a:ahLst/>
+            <a:cxnLst>
+              <a:cxn ang="0">
+                <a:pos x="connsiteX0" y="connsiteY0"/>
+              </a:cxn>
+              <a:cxn ang="0">
+                <a:pos x="connsiteX1" y="connsiteY1"/>
+              </a:cxn>
+              <a:cxn ang="0">
+                <a:pos x="connsiteX2" y="connsiteY2"/>
+              </a:cxn>
+              <a:cxn ang="0">
+                <a:pos x="connsiteX3" y="connsiteY3"/>
+              </a:cxn>
+              <a:cxn ang="0">
+                <a:pos x="connsiteX4" y="connsiteY4"/>
+              </a:cxn>
+              <a:cxn ang="0">
+                <a:pos x="connsiteX5" y="connsiteY5"/>
+              </a:cxn>
+              <a:cxn ang="0">
+                <a:pos x="connsiteX6" y="connsiteY6"/>
+              </a:cxn>
+              <a:cxn ang="0">
+                <a:pos x="connsiteX7" y="connsiteY7"/>
+              </a:cxn>
+              <a:cxn ang="0">
+                <a:pos x="connsiteX8" y="connsiteY8"/>
+              </a:cxn>
+              <a:cxn ang="0">
+                <a:pos x="connsiteX9" y="connsiteY9"/>
+              </a:cxn>
+              <a:cxn ang="0">
+                <a:pos x="connsiteX10" y="connsiteY10"/>
+              </a:cxn>
+              <a:cxn ang="0">
+                <a:pos x="connsiteX11" y="connsiteY11"/>
+              </a:cxn>
+              <a:cxn ang="0">
+                <a:pos x="connsiteX12" y="connsiteY12"/>
+              </a:cxn>
+              <a:cxn ang="0">
+                <a:pos x="connsiteX13" y="connsiteY13"/>
+              </a:cxn>
+              <a:cxn ang="0">
+                <a:pos x="connsiteX14" y="connsiteY14"/>
+              </a:cxn>
+            </a:cxnLst>
+            <a:rect l="l" t="t" r="r" b="b"/>
+            <a:pathLst>
+              <a:path w="3810827" h="3634591">
+                <a:moveTo>
+                  <a:pt x="2180840" y="0"/>
+                </a:moveTo>
+                <a:cubicBezTo>
+                  <a:pt x="2431406" y="0"/>
+                  <a:pt x="2662018" y="48886"/>
+                  <a:pt x="2866380" y="145165"/>
+                </a:cubicBezTo>
+                <a:cubicBezTo>
+                  <a:pt x="3057903" y="235467"/>
+                  <a:pt x="3226119" y="367269"/>
+                  <a:pt x="3366366" y="536835"/>
+                </a:cubicBezTo>
+                <a:cubicBezTo>
+                  <a:pt x="3652997" y="883519"/>
+                  <a:pt x="3810827" y="1376199"/>
+                  <a:pt x="3810827" y="1924156"/>
+                </a:cubicBezTo>
+                <a:cubicBezTo>
+                  <a:pt x="3810827" y="2142775"/>
+                  <a:pt x="3749739" y="2318234"/>
+                  <a:pt x="3612844" y="2493111"/>
+                </a:cubicBezTo>
+                <a:cubicBezTo>
+                  <a:pt x="3469652" y="2676041"/>
+                  <a:pt x="3254495" y="2844528"/>
+                  <a:pt x="3026664" y="3022891"/>
+                </a:cubicBezTo>
+                <a:cubicBezTo>
+                  <a:pt x="2984630" y="3055759"/>
+                  <a:pt x="2941206" y="3089789"/>
+                  <a:pt x="2897783" y="3124233"/>
+                </a:cubicBezTo>
+                <a:cubicBezTo>
+                  <a:pt x="2509094" y="3432490"/>
+                  <a:pt x="2225408" y="3634591"/>
+                  <a:pt x="1838765" y="3634591"/>
+                </a:cubicBezTo>
+                <a:cubicBezTo>
+                  <a:pt x="1249640" y="3634591"/>
+                  <a:pt x="832413" y="3386508"/>
+                  <a:pt x="443724" y="2805020"/>
+                </a:cubicBezTo>
+                <a:cubicBezTo>
+                  <a:pt x="392859" y="2728910"/>
+                  <a:pt x="343138" y="2659690"/>
+                  <a:pt x="295053" y="2592792"/>
+                </a:cubicBezTo>
+                <a:cubicBezTo>
+                  <a:pt x="95761" y="2315411"/>
+                  <a:pt x="0" y="2171160"/>
+                  <a:pt x="0" y="1924156"/>
+                </a:cubicBezTo>
+                <a:cubicBezTo>
+                  <a:pt x="0" y="1678896"/>
+                  <a:pt x="60024" y="1436622"/>
+                  <a:pt x="178275" y="1204061"/>
+                </a:cubicBezTo>
+                <a:cubicBezTo>
+                  <a:pt x="293990" y="976561"/>
+                  <a:pt x="459425" y="768319"/>
+                  <a:pt x="669921" y="585306"/>
+                </a:cubicBezTo>
+                <a:cubicBezTo>
+                  <a:pt x="876818" y="405365"/>
+                  <a:pt x="1122558" y="256964"/>
+                  <a:pt x="1380730" y="156203"/>
+                </a:cubicBezTo>
+                <a:cubicBezTo>
+                  <a:pt x="1645852" y="52539"/>
+                  <a:pt x="1915145" y="0"/>
+                  <a:pt x="2180840" y="0"/>
+                </a:cubicBezTo>
+                <a:close/>
+              </a:path>
+            </a:pathLst>
+          </a:custGeom>
+          <a:solidFill>
+            <a:srgbClr val="FFFFFF">
+              <a:alpha val="60000"/>
+            </a:srgbClr>
+          </a:solidFill>
+          <a:ln w="15875">
+            <a:noFill/>
+          </a:ln>
+        </p:spPr>
+        <p:style>
+          <a:lnRef idx="2">
+            <a:schemeClr val="accent1">
+              <a:shade val="50000"/>
+            </a:schemeClr>
+          </a:lnRef>
+          <a:fillRef idx="1">
+            <a:schemeClr val="accent1"/>
+          </a:fillRef>
+          <a:effectRef idx="0">
+            <a:schemeClr val="accent1"/>
+          </a:effectRef>
+          <a:fontRef idx="minor">
+            <a:schemeClr val="lt1"/>
+          </a:fontRef>
+        </p:style>
+        <p:txBody>
+          <a:bodyPr wrap="square" rtlCol="0" anchor="ctr">
+            <a:noAutofit/>
+          </a:bodyPr>
+          <a:lstStyle/>
+          <a:p>
+            <a:pPr algn="ctr"/>
+            <a:endParaRPr lang="en-US" dirty="0"/>
+          </a:p>
+        </p:txBody>
+      </p:sp>
+      <p:sp>
+        <p:nvSpPr>
+          <p:cNvPr id="90" name="Freeform: Shape 83">
+            <a:extLst>
+              <a:ext uri="{FF2B5EF4-FFF2-40B4-BE49-F238E27FC236}">
+                <a16:creationId xmlns:a16="http://schemas.microsoft.com/office/drawing/2014/main" id="{CA835FD4-D707-4178-B672-AC418F0BE52D}"/>
+              </a:ext>
+              <a:ext uri="{C183D7F6-B498-43B3-948B-1728B52AA6E4}">
+                <adec:decorative xmlns:adec="http://schemas.microsoft.com/office/drawing/2017/decorative" val="1"/>
+              </a:ext>
+            </a:extLst>
+          </p:cNvPr>
+          <p:cNvSpPr>
+            <a:spLocks noGrp="1" noRot="1" noChangeAspect="1" noMove="1" noResize="1" noEditPoints="1" noAdjustHandles="1" noChangeArrowheads="1" noChangeShapeType="1" noTextEdit="1"/>
+          </p:cNvSpPr>
+          <p:nvPr>
+            <p:extLst>
+              <p:ext uri="{386F3935-93C4-4BCD-93E2-E3B085C9AB24}">
+                <p16:designElem xmlns:p16="http://schemas.microsoft.com/office/powerpoint/2015/main" val="1"/>
+              </p:ext>
+            </p:extLst>
+          </p:nvPr>
+        </p:nvSpPr>
+        <p:spPr>
+          <a:xfrm>
+            <a:off x="2343467" y="143123"/>
+            <a:ext cx="7778543" cy="6484567"/>
+          </a:xfrm>
+          <a:custGeom>
+            <a:avLst/>
+            <a:gdLst>
+              <a:gd name="connsiteX0" fmla="*/ 2180840 w 3810827"/>
+              <a:gd name="connsiteY0" fmla="*/ 0 h 3634591"/>
+              <a:gd name="connsiteX1" fmla="*/ 2866380 w 3810827"/>
+              <a:gd name="connsiteY1" fmla="*/ 145165 h 3634591"/>
+              <a:gd name="connsiteX2" fmla="*/ 3366366 w 3810827"/>
+              <a:gd name="connsiteY2" fmla="*/ 536835 h 3634591"/>
+              <a:gd name="connsiteX3" fmla="*/ 3810827 w 3810827"/>
+              <a:gd name="connsiteY3" fmla="*/ 1924156 h 3634591"/>
+              <a:gd name="connsiteX4" fmla="*/ 3612844 w 3810827"/>
+              <a:gd name="connsiteY4" fmla="*/ 2493111 h 3634591"/>
+              <a:gd name="connsiteX5" fmla="*/ 3026664 w 3810827"/>
+              <a:gd name="connsiteY5" fmla="*/ 3022891 h 3634591"/>
+              <a:gd name="connsiteX6" fmla="*/ 2897783 w 3810827"/>
+              <a:gd name="connsiteY6" fmla="*/ 3124233 h 3634591"/>
+              <a:gd name="connsiteX7" fmla="*/ 1838765 w 3810827"/>
+              <a:gd name="connsiteY7" fmla="*/ 3634591 h 3634591"/>
+              <a:gd name="connsiteX8" fmla="*/ 443724 w 3810827"/>
+              <a:gd name="connsiteY8" fmla="*/ 2805020 h 3634591"/>
+              <a:gd name="connsiteX9" fmla="*/ 295053 w 3810827"/>
+              <a:gd name="connsiteY9" fmla="*/ 2592792 h 3634591"/>
+              <a:gd name="connsiteX10" fmla="*/ 0 w 3810827"/>
+              <a:gd name="connsiteY10" fmla="*/ 1924156 h 3634591"/>
+              <a:gd name="connsiteX11" fmla="*/ 178275 w 3810827"/>
+              <a:gd name="connsiteY11" fmla="*/ 1204061 h 3634591"/>
+              <a:gd name="connsiteX12" fmla="*/ 669921 w 3810827"/>
+              <a:gd name="connsiteY12" fmla="*/ 585306 h 3634591"/>
+              <a:gd name="connsiteX13" fmla="*/ 1380730 w 3810827"/>
+              <a:gd name="connsiteY13" fmla="*/ 156203 h 3634591"/>
+              <a:gd name="connsiteX14" fmla="*/ 2180840 w 3810827"/>
+              <a:gd name="connsiteY14" fmla="*/ 0 h 3634591"/>
+            </a:gdLst>
+            <a:ahLst/>
+            <a:cxnLst>
+              <a:cxn ang="0">
+                <a:pos x="connsiteX0" y="connsiteY0"/>
+              </a:cxn>
+              <a:cxn ang="0">
+                <a:pos x="connsiteX1" y="connsiteY1"/>
+              </a:cxn>
+              <a:cxn ang="0">
+                <a:pos x="connsiteX2" y="connsiteY2"/>
+              </a:cxn>
+              <a:cxn ang="0">
+                <a:pos x="connsiteX3" y="connsiteY3"/>
+              </a:cxn>
+              <a:cxn ang="0">
+                <a:pos x="connsiteX4" y="connsiteY4"/>
+              </a:cxn>
+              <a:cxn ang="0">
+                <a:pos x="connsiteX5" y="connsiteY5"/>
+              </a:cxn>
+              <a:cxn ang="0">
+                <a:pos x="connsiteX6" y="connsiteY6"/>
+              </a:cxn>
+              <a:cxn ang="0">
+                <a:pos x="connsiteX7" y="connsiteY7"/>
+              </a:cxn>
+              <a:cxn ang="0">
+                <a:pos x="connsiteX8" y="connsiteY8"/>
+              </a:cxn>
+              <a:cxn ang="0">
+                <a:pos x="connsiteX9" y="connsiteY9"/>
+              </a:cxn>
+              <a:cxn ang="0">
+                <a:pos x="connsiteX10" y="connsiteY10"/>
+              </a:cxn>
+              <a:cxn ang="0">
+                <a:pos x="connsiteX11" y="connsiteY11"/>
+              </a:cxn>
+              <a:cxn ang="0">
+                <a:pos x="connsiteX12" y="connsiteY12"/>
+              </a:cxn>
+              <a:cxn ang="0">
+                <a:pos x="connsiteX13" y="connsiteY13"/>
+              </a:cxn>
+              <a:cxn ang="0">
+                <a:pos x="connsiteX14" y="connsiteY14"/>
+              </a:cxn>
+            </a:cxnLst>
+            <a:rect l="l" t="t" r="r" b="b"/>
+            <a:pathLst>
+              <a:path w="3810827" h="3634591">
+                <a:moveTo>
+                  <a:pt x="2180840" y="0"/>
+                </a:moveTo>
+                <a:cubicBezTo>
+                  <a:pt x="2431406" y="0"/>
+                  <a:pt x="2662018" y="48886"/>
+                  <a:pt x="2866380" y="145165"/>
+                </a:cubicBezTo>
+                <a:cubicBezTo>
+                  <a:pt x="3057903" y="235467"/>
+                  <a:pt x="3226119" y="367269"/>
+                  <a:pt x="3366366" y="536835"/>
+                </a:cubicBezTo>
+                <a:cubicBezTo>
+                  <a:pt x="3652997" y="883519"/>
+                  <a:pt x="3810827" y="1376199"/>
+                  <a:pt x="3810827" y="1924156"/>
+                </a:cubicBezTo>
+                <a:cubicBezTo>
+                  <a:pt x="3810827" y="2142775"/>
+                  <a:pt x="3749739" y="2318234"/>
+                  <a:pt x="3612844" y="2493111"/>
+                </a:cubicBezTo>
+                <a:cubicBezTo>
+                  <a:pt x="3469652" y="2676041"/>
+                  <a:pt x="3254495" y="2844528"/>
+                  <a:pt x="3026664" y="3022891"/>
+                </a:cubicBezTo>
+                <a:cubicBezTo>
+                  <a:pt x="2984630" y="3055759"/>
+                  <a:pt x="2941206" y="3089789"/>
+                  <a:pt x="2897783" y="3124233"/>
+                </a:cubicBezTo>
+                <a:cubicBezTo>
+                  <a:pt x="2509094" y="3432490"/>
+                  <a:pt x="2225408" y="3634591"/>
+                  <a:pt x="1838765" y="3634591"/>
+                </a:cubicBezTo>
+                <a:cubicBezTo>
+                  <a:pt x="1249640" y="3634591"/>
+                  <a:pt x="832413" y="3386508"/>
+                  <a:pt x="443724" y="2805020"/>
+                </a:cubicBezTo>
+                <a:cubicBezTo>
+                  <a:pt x="392859" y="2728910"/>
+                  <a:pt x="343138" y="2659690"/>
+                  <a:pt x="295053" y="2592792"/>
+                </a:cubicBezTo>
+                <a:cubicBezTo>
+                  <a:pt x="95761" y="2315411"/>
+                  <a:pt x="0" y="2171160"/>
+                  <a:pt x="0" y="1924156"/>
+                </a:cubicBezTo>
+                <a:cubicBezTo>
+                  <a:pt x="0" y="1678896"/>
+                  <a:pt x="60024" y="1436622"/>
+                  <a:pt x="178275" y="1204061"/>
+                </a:cubicBezTo>
+                <a:cubicBezTo>
+                  <a:pt x="293990" y="976561"/>
+                  <a:pt x="459425" y="768319"/>
+                  <a:pt x="669921" y="585306"/>
+                </a:cubicBezTo>
+                <a:cubicBezTo>
+                  <a:pt x="876818" y="405365"/>
+                  <a:pt x="1122558" y="256964"/>
+                  <a:pt x="1380730" y="156203"/>
+                </a:cubicBezTo>
+                <a:cubicBezTo>
+                  <a:pt x="1645852" y="52539"/>
+                  <a:pt x="1915145" y="0"/>
+                  <a:pt x="2180840" y="0"/>
+                </a:cubicBezTo>
+                <a:close/>
+              </a:path>
+            </a:pathLst>
+          </a:custGeom>
+          <a:noFill/>
+          <a:ln w="19050">
+            <a:solidFill>
+              <a:srgbClr val="FFFFFF"/>
+            </a:solidFill>
+          </a:ln>
+        </p:spPr>
+        <p:style>
+          <a:lnRef idx="2">
+            <a:schemeClr val="accent1">
+              <a:shade val="50000"/>
+            </a:schemeClr>
+          </a:lnRef>
+          <a:fillRef idx="1">
+            <a:schemeClr val="accent1"/>
+          </a:fillRef>
+          <a:effectRef idx="0">
+            <a:schemeClr val="accent1"/>
+          </a:effectRef>
+          <a:fontRef idx="minor">
+            <a:schemeClr val="lt1"/>
+          </a:fontRef>
+        </p:style>
+        <p:txBody>
+          <a:bodyPr wrap="square" rtlCol="0" anchor="ctr">
+            <a:noAutofit/>
+          </a:bodyPr>
+          <a:lstStyle/>
+          <a:p>
+            <a:pPr algn="ctr"/>
+            <a:endParaRPr lang="en-US" dirty="0"/>
+          </a:p>
+        </p:txBody>
+      </p:sp>
+      <p:sp>
+        <p:nvSpPr>
+          <p:cNvPr id="91" name="Freeform: Shape 85">
+            <a:extLst>
+              <a:ext uri="{FF2B5EF4-FFF2-40B4-BE49-F238E27FC236}">
+                <a16:creationId xmlns:a16="http://schemas.microsoft.com/office/drawing/2014/main" id="{DEAEE08D-A745-4391-9073-9E99767E09D4}"/>
+              </a:ext>
+              <a:ext uri="{C183D7F6-B498-43B3-948B-1728B52AA6E4}">
+                <adec:decorative xmlns:adec="http://schemas.microsoft.com/office/drawing/2017/decorative" val="1"/>
+              </a:ext>
+            </a:extLst>
+          </p:cNvPr>
+          <p:cNvSpPr>
+            <a:spLocks noGrp="1" noRot="1" noChangeAspect="1" noMove="1" noResize="1" noEditPoints="1" noAdjustHandles="1" noChangeArrowheads="1" noChangeShapeType="1" noTextEdit="1"/>
+          </p:cNvSpPr>
+          <p:nvPr>
+            <p:extLst>
+              <p:ext uri="{386F3935-93C4-4BCD-93E2-E3B085C9AB24}">
+                <p16:designElem xmlns:p16="http://schemas.microsoft.com/office/powerpoint/2015/main" val="1"/>
+              </p:ext>
+            </p:extLst>
+          </p:nvPr>
+        </p:nvSpPr>
+        <p:spPr>
+          <a:xfrm>
+            <a:off x="2504539" y="266074"/>
+            <a:ext cx="7489662" cy="6252180"/>
+          </a:xfrm>
+          <a:custGeom>
+            <a:avLst/>
+            <a:gdLst>
+              <a:gd name="connsiteX0" fmla="*/ 2180840 w 3810827"/>
+              <a:gd name="connsiteY0" fmla="*/ 0 h 3634591"/>
+              <a:gd name="connsiteX1" fmla="*/ 2866380 w 3810827"/>
+              <a:gd name="connsiteY1" fmla="*/ 145165 h 3634591"/>
+              <a:gd name="connsiteX2" fmla="*/ 3366366 w 3810827"/>
+              <a:gd name="connsiteY2" fmla="*/ 536835 h 3634591"/>
+              <a:gd name="connsiteX3" fmla="*/ 3810827 w 3810827"/>
+              <a:gd name="connsiteY3" fmla="*/ 1924156 h 3634591"/>
+              <a:gd name="connsiteX4" fmla="*/ 3612844 w 3810827"/>
+              <a:gd name="connsiteY4" fmla="*/ 2493111 h 3634591"/>
+              <a:gd name="connsiteX5" fmla="*/ 3026664 w 3810827"/>
+              <a:gd name="connsiteY5" fmla="*/ 3022891 h 3634591"/>
+              <a:gd name="connsiteX6" fmla="*/ 2897783 w 3810827"/>
+              <a:gd name="connsiteY6" fmla="*/ 3124233 h 3634591"/>
+              <a:gd name="connsiteX7" fmla="*/ 1838765 w 3810827"/>
+              <a:gd name="connsiteY7" fmla="*/ 3634591 h 3634591"/>
+              <a:gd name="connsiteX8" fmla="*/ 443724 w 3810827"/>
+              <a:gd name="connsiteY8" fmla="*/ 2805020 h 3634591"/>
+              <a:gd name="connsiteX9" fmla="*/ 295053 w 3810827"/>
+              <a:gd name="connsiteY9" fmla="*/ 2592792 h 3634591"/>
+              <a:gd name="connsiteX10" fmla="*/ 0 w 3810827"/>
+              <a:gd name="connsiteY10" fmla="*/ 1924156 h 3634591"/>
+              <a:gd name="connsiteX11" fmla="*/ 178275 w 3810827"/>
+              <a:gd name="connsiteY11" fmla="*/ 1204061 h 3634591"/>
+              <a:gd name="connsiteX12" fmla="*/ 669921 w 3810827"/>
+              <a:gd name="connsiteY12" fmla="*/ 585306 h 3634591"/>
+              <a:gd name="connsiteX13" fmla="*/ 1380730 w 3810827"/>
+              <a:gd name="connsiteY13" fmla="*/ 156203 h 3634591"/>
+              <a:gd name="connsiteX14" fmla="*/ 2180840 w 3810827"/>
+              <a:gd name="connsiteY14" fmla="*/ 0 h 3634591"/>
+            </a:gdLst>
+            <a:ahLst/>
+            <a:cxnLst>
+              <a:cxn ang="0">
+                <a:pos x="connsiteX0" y="connsiteY0"/>
+              </a:cxn>
+              <a:cxn ang="0">
+                <a:pos x="connsiteX1" y="connsiteY1"/>
+              </a:cxn>
+              <a:cxn ang="0">
+                <a:pos x="connsiteX2" y="connsiteY2"/>
+              </a:cxn>
+              <a:cxn ang="0">
+                <a:pos x="connsiteX3" y="connsiteY3"/>
+              </a:cxn>
+              <a:cxn ang="0">
+                <a:pos x="connsiteX4" y="connsiteY4"/>
+              </a:cxn>
+              <a:cxn ang="0">
+                <a:pos x="connsiteX5" y="connsiteY5"/>
+              </a:cxn>
+              <a:cxn ang="0">
+                <a:pos x="connsiteX6" y="connsiteY6"/>
+              </a:cxn>
+              <a:cxn ang="0">
+                <a:pos x="connsiteX7" y="connsiteY7"/>
+              </a:cxn>
+              <a:cxn ang="0">
+                <a:pos x="connsiteX8" y="connsiteY8"/>
+              </a:cxn>
+              <a:cxn ang="0">
+                <a:pos x="connsiteX9" y="connsiteY9"/>
+              </a:cxn>
+              <a:cxn ang="0">
+                <a:pos x="connsiteX10" y="connsiteY10"/>
+              </a:cxn>
+              <a:cxn ang="0">
+                <a:pos x="connsiteX11" y="connsiteY11"/>
+              </a:cxn>
+              <a:cxn ang="0">
+                <a:pos x="connsiteX12" y="connsiteY12"/>
+              </a:cxn>
+              <a:cxn ang="0">
+                <a:pos x="connsiteX13" y="connsiteY13"/>
+              </a:cxn>
+              <a:cxn ang="0">
+                <a:pos x="connsiteX14" y="connsiteY14"/>
+              </a:cxn>
+            </a:cxnLst>
+            <a:rect l="l" t="t" r="r" b="b"/>
+            <a:pathLst>
+              <a:path w="3810827" h="3634591">
+                <a:moveTo>
+                  <a:pt x="2180840" y="0"/>
+                </a:moveTo>
+                <a:cubicBezTo>
+                  <a:pt x="2431406" y="0"/>
+                  <a:pt x="2662018" y="48886"/>
+                  <a:pt x="2866380" y="145165"/>
+                </a:cubicBezTo>
+                <a:cubicBezTo>
+                  <a:pt x="3057903" y="235467"/>
+                  <a:pt x="3226119" y="367269"/>
+                  <a:pt x="3366366" y="536835"/>
+                </a:cubicBezTo>
+                <a:cubicBezTo>
+                  <a:pt x="3652997" y="883519"/>
+                  <a:pt x="3810827" y="1376199"/>
+                  <a:pt x="3810827" y="1924156"/>
+                </a:cubicBezTo>
+                <a:cubicBezTo>
+                  <a:pt x="3810827" y="2142775"/>
+                  <a:pt x="3749739" y="2318234"/>
+                  <a:pt x="3612844" y="2493111"/>
+                </a:cubicBezTo>
+                <a:cubicBezTo>
+                  <a:pt x="3469652" y="2676041"/>
+                  <a:pt x="3254495" y="2844528"/>
+                  <a:pt x="3026664" y="3022891"/>
+                </a:cubicBezTo>
+                <a:cubicBezTo>
+                  <a:pt x="2984630" y="3055759"/>
+                  <a:pt x="2941206" y="3089789"/>
+                  <a:pt x="2897783" y="3124233"/>
+                </a:cubicBezTo>
+                <a:cubicBezTo>
+                  <a:pt x="2509094" y="3432490"/>
+                  <a:pt x="2225408" y="3634591"/>
+                  <a:pt x="1838765" y="3634591"/>
+                </a:cubicBezTo>
+                <a:cubicBezTo>
+                  <a:pt x="1249640" y="3634591"/>
+                  <a:pt x="832413" y="3386508"/>
+                  <a:pt x="443724" y="2805020"/>
+                </a:cubicBezTo>
+                <a:cubicBezTo>
+                  <a:pt x="392859" y="2728910"/>
+                  <a:pt x="343138" y="2659690"/>
+                  <a:pt x="295053" y="2592792"/>
+                </a:cubicBezTo>
+                <a:cubicBezTo>
+                  <a:pt x="95761" y="2315411"/>
+                  <a:pt x="0" y="2171160"/>
+                  <a:pt x="0" y="1924156"/>
+                </a:cubicBezTo>
+                <a:cubicBezTo>
+                  <a:pt x="0" y="1678896"/>
+                  <a:pt x="60024" y="1436622"/>
+                  <a:pt x="178275" y="1204061"/>
+                </a:cubicBezTo>
+                <a:cubicBezTo>
+                  <a:pt x="293990" y="976561"/>
+                  <a:pt x="459425" y="768319"/>
+                  <a:pt x="669921" y="585306"/>
+                </a:cubicBezTo>
+                <a:cubicBezTo>
+                  <a:pt x="876818" y="405365"/>
+                  <a:pt x="1122558" y="256964"/>
+                  <a:pt x="1380730" y="156203"/>
+                </a:cubicBezTo>
+                <a:cubicBezTo>
+                  <a:pt x="1645852" y="52539"/>
+                  <a:pt x="1915145" y="0"/>
+                  <a:pt x="2180840" y="0"/>
+                </a:cubicBezTo>
+                <a:close/>
+              </a:path>
+            </a:pathLst>
+          </a:custGeom>
+          <a:noFill/>
+          <a:ln w="15875">
+            <a:solidFill>
+              <a:srgbClr val="FFFFFF"/>
+            </a:solidFill>
+          </a:ln>
+        </p:spPr>
+        <p:style>
+          <a:lnRef idx="2">
+            <a:schemeClr val="accent1">
+              <a:shade val="50000"/>
+            </a:schemeClr>
+          </a:lnRef>
+          <a:fillRef idx="1">
+            <a:schemeClr val="accent1"/>
+          </a:fillRef>
+          <a:effectRef idx="0">
+            <a:schemeClr val="accent1"/>
+          </a:effectRef>
+          <a:fontRef idx="minor">
+            <a:schemeClr val="lt1"/>
+          </a:fontRef>
+        </p:style>
+        <p:txBody>
+          <a:bodyPr wrap="square" rtlCol="0" anchor="ctr">
+            <a:noAutofit/>
+          </a:bodyPr>
+          <a:lstStyle/>
+          <a:p>
+            <a:pPr algn="ctr"/>
+            <a:endParaRPr lang="en-US" dirty="0"/>
+          </a:p>
+        </p:txBody>
+      </p:sp>
+      <p:pic>
+        <p:nvPicPr>
+          <p:cNvPr id="10" name="Picture Placeholder 9">
+            <a:extLst>
+              <a:ext uri="{FF2B5EF4-FFF2-40B4-BE49-F238E27FC236}">
+                <a16:creationId xmlns:a16="http://schemas.microsoft.com/office/drawing/2014/main" id="{CAA82CD4-07C1-403F-9463-C28AF924A8E1}"/>
+              </a:ext>
+            </a:extLst>
+          </p:cNvPr>
+          <p:cNvPicPr>
+            <a:picLocks noGrp="1" noChangeAspect="1"/>
+          </p:cNvPicPr>
+          <p:nvPr>
+            <p:ph type="pic" sz="quarter" idx="13"/>
+          </p:nvPr>
+        </p:nvPicPr>
+        <p:blipFill rotWithShape="1">
+          <a:blip r:embed="rId2"/>
+          <a:srcRect l="6132" r="6129" b="-2"/>
+          <a:stretch/>
+        </p:blipFill>
+        <p:spPr>
+          <a:xfrm>
+            <a:off x="1759058" y="937848"/>
+            <a:ext cx="3558197" cy="3041650"/>
+          </a:xfrm>
+          <a:custGeom>
+            <a:avLst/>
+            <a:gdLst/>
+            <a:ahLst/>
+            <a:cxnLst/>
+            <a:rect l="l" t="t" r="r" b="b"/>
+            <a:pathLst>
+              <a:path w="4292584" h="4094066">
+                <a:moveTo>
+                  <a:pt x="2456537" y="0"/>
+                </a:moveTo>
+                <a:cubicBezTo>
+                  <a:pt x="2738780" y="0"/>
+                  <a:pt x="2998545" y="55066"/>
+                  <a:pt x="3228742" y="163517"/>
+                </a:cubicBezTo>
+                <a:cubicBezTo>
+                  <a:pt x="3444477" y="265234"/>
+                  <a:pt x="3633959" y="413698"/>
+                  <a:pt x="3791935" y="604700"/>
+                </a:cubicBezTo>
+                <a:cubicBezTo>
+                  <a:pt x="4114802" y="995211"/>
+                  <a:pt x="4292584" y="1550174"/>
+                  <a:pt x="4292584" y="2167403"/>
+                </a:cubicBezTo>
+                <a:cubicBezTo>
+                  <a:pt x="4292584" y="2413659"/>
+                  <a:pt x="4223774" y="2611299"/>
+                  <a:pt x="4069573" y="2808283"/>
+                </a:cubicBezTo>
+                <a:cubicBezTo>
+                  <a:pt x="3908278" y="3014339"/>
+                  <a:pt x="3665922" y="3204126"/>
+                  <a:pt x="3409289" y="3405037"/>
+                </a:cubicBezTo>
+                <a:cubicBezTo>
+                  <a:pt x="3361941" y="3442060"/>
+                  <a:pt x="3313027" y="3480392"/>
+                  <a:pt x="3264115" y="3519190"/>
+                </a:cubicBezTo>
+                <a:cubicBezTo>
+                  <a:pt x="2826289" y="3866416"/>
+                  <a:pt x="2506740" y="4094066"/>
+                  <a:pt x="2071218" y="4094066"/>
+                </a:cubicBezTo>
+                <a:cubicBezTo>
+                  <a:pt x="1407617" y="4094066"/>
+                  <a:pt x="937645" y="3814621"/>
+                  <a:pt x="499819" y="3159623"/>
+                </a:cubicBezTo>
+                <a:cubicBezTo>
+                  <a:pt x="442524" y="3073891"/>
+                  <a:pt x="386517" y="2995921"/>
+                  <a:pt x="332353" y="2920566"/>
+                </a:cubicBezTo>
+                <a:cubicBezTo>
+                  <a:pt x="107867" y="2608119"/>
+                  <a:pt x="0" y="2445632"/>
+                  <a:pt x="0" y="2167403"/>
+                </a:cubicBezTo>
+                <a:cubicBezTo>
+                  <a:pt x="0" y="1891138"/>
+                  <a:pt x="67612" y="1618236"/>
+                  <a:pt x="200812" y="1356275"/>
+                </a:cubicBezTo>
+                <a:cubicBezTo>
+                  <a:pt x="331156" y="1100015"/>
+                  <a:pt x="517505" y="865448"/>
+                  <a:pt x="754611" y="659299"/>
+                </a:cubicBezTo>
+                <a:cubicBezTo>
+                  <a:pt x="987664" y="456610"/>
+                  <a:pt x="1264470" y="289449"/>
+                  <a:pt x="1555279" y="175950"/>
+                </a:cubicBezTo>
+                <a:cubicBezTo>
+                  <a:pt x="1853918" y="59181"/>
+                  <a:pt x="2157254" y="0"/>
+                  <a:pt x="2456537" y="0"/>
+                </a:cubicBezTo>
+                <a:close/>
+              </a:path>
+            </a:pathLst>
+          </a:custGeom>
+        </p:spPr>
+      </p:pic>
+      <p:sp>
+        <p:nvSpPr>
+          <p:cNvPr id="45" name="Slide Number Placeholder 31">
+            <a:extLst>
+              <a:ext uri="{FF2B5EF4-FFF2-40B4-BE49-F238E27FC236}">
+                <a16:creationId xmlns:a16="http://schemas.microsoft.com/office/drawing/2014/main" id="{33815EDF-8F7C-4409-9266-EF1F240D99FC}"/>
+              </a:ext>
+            </a:extLst>
+          </p:cNvPr>
+          <p:cNvSpPr>
+            <a:spLocks noGrp="1"/>
+          </p:cNvSpPr>
+          <p:nvPr>
+            <p:ph type="sldNum" sz="quarter" idx="12"/>
+          </p:nvPr>
+        </p:nvSpPr>
+        <p:spPr>
+          <a:xfrm>
+            <a:off x="13271507" y="6170490"/>
+            <a:ext cx="1188720" cy="457200"/>
+          </a:xfrm>
+        </p:spPr>
+        <p:txBody>
+          <a:bodyPr vert="horz" lIns="109728" tIns="109728" rIns="109728" bIns="91440" rtlCol="0" anchor="b">
+            <a:normAutofit/>
+          </a:bodyPr>
+          <a:lstStyle>
+            <a:lvl1pPr>
+              <a:defRPr>
+                <a:solidFill>
+                  <a:schemeClr val="tx1">
+                    <a:lumMod val="75000"/>
+                    <a:lumOff val="25000"/>
+                  </a:schemeClr>
+                </a:solidFill>
+                <a:effectLst/>
+              </a:defRPr>
+            </a:lvl1pPr>
+          </a:lstStyle>
+          <a:p>
+            <a:pPr algn="l">
+              <a:spcAft>
+                <a:spcPts val="600"/>
+              </a:spcAft>
+            </a:pPr>
+            <a:fld id="{FAEF9944-A4F6-4C59-AEBD-678D6480B8EA}" type="slidenum">
+              <a:rPr lang="en-US" smtClean="0"/>
+              <a:pPr algn="l">
+                <a:spcAft>
+                  <a:spcPts val="600"/>
+                </a:spcAft>
+              </a:pPr>
+              <a:t>6</a:t>
+            </a:fld>
+            <a:endParaRPr lang="en-US"/>
+          </a:p>
+        </p:txBody>
+      </p:sp>
+      <p:pic>
+        <p:nvPicPr>
+          <p:cNvPr id="4" name="Picture 3" descr="A picture containing text, sign, clipart&#10;&#10;Description automatically generated">
+            <a:extLst>
+              <a:ext uri="{FF2B5EF4-FFF2-40B4-BE49-F238E27FC236}">
+                <a16:creationId xmlns:a16="http://schemas.microsoft.com/office/drawing/2014/main" id="{15D192D6-934E-493E-B776-35C8ACCB708C}"/>
+              </a:ext>
+            </a:extLst>
+          </p:cNvPr>
+          <p:cNvPicPr>
+            <a:picLocks noChangeAspect="1"/>
+          </p:cNvPicPr>
+          <p:nvPr/>
+        </p:nvPicPr>
+        <p:blipFill>
+          <a:blip r:embed="rId3"/>
+          <a:stretch>
+            <a:fillRect/>
+          </a:stretch>
+        </p:blipFill>
+        <p:spPr>
+          <a:xfrm>
+            <a:off x="4891085" y="3513965"/>
+            <a:ext cx="2021157" cy="1137307"/>
+          </a:xfrm>
+          <a:prstGeom prst="rect">
+            <a:avLst/>
+          </a:prstGeom>
+          <a:ln>
+            <a:noFill/>
+          </a:ln>
+          <a:effectLst>
+            <a:outerShdw blurRad="292100" dist="139700" dir="2700000" algn="tl" rotWithShape="0">
+              <a:srgbClr val="333333">
+                <a:alpha val="65000"/>
+              </a:srgbClr>
+            </a:outerShdw>
+          </a:effectLst>
+        </p:spPr>
+      </p:pic>
+      <p:pic>
+        <p:nvPicPr>
+          <p:cNvPr id="6" name="Picture 5" descr="Icon&#10;&#10;Description automatically generated">
+            <a:extLst>
+              <a:ext uri="{FF2B5EF4-FFF2-40B4-BE49-F238E27FC236}">
+                <a16:creationId xmlns:a16="http://schemas.microsoft.com/office/drawing/2014/main" id="{160A02D8-CF97-4A72-A1BD-03D7D33A3E47}"/>
+              </a:ext>
+            </a:extLst>
+          </p:cNvPr>
+          <p:cNvPicPr>
+            <a:picLocks noChangeAspect="1"/>
+          </p:cNvPicPr>
+          <p:nvPr/>
+        </p:nvPicPr>
+        <p:blipFill>
+          <a:blip r:embed="rId4"/>
+          <a:stretch>
+            <a:fillRect/>
+          </a:stretch>
+        </p:blipFill>
+        <p:spPr>
+          <a:xfrm>
+            <a:off x="7690987" y="1946877"/>
+            <a:ext cx="1494792" cy="1494792"/>
+          </a:xfrm>
+          <a:prstGeom prst="rect">
+            <a:avLst/>
+          </a:prstGeom>
+          <a:ln>
+            <a:noFill/>
+          </a:ln>
+          <a:effectLst>
+            <a:outerShdw blurRad="292100" dist="139700" dir="2700000" algn="tl" rotWithShape="0">
+              <a:srgbClr val="333333">
+                <a:alpha val="65000"/>
+              </a:srgbClr>
+            </a:outerShdw>
+          </a:effectLst>
+        </p:spPr>
+      </p:pic>
+      <p:pic>
+        <p:nvPicPr>
+          <p:cNvPr id="8" name="Picture 7" descr="Logo, company name&#10;&#10;Description automatically generated">
+            <a:extLst>
+              <a:ext uri="{FF2B5EF4-FFF2-40B4-BE49-F238E27FC236}">
+                <a16:creationId xmlns:a16="http://schemas.microsoft.com/office/drawing/2014/main" id="{F5555040-9395-464C-8764-97CF33A31894}"/>
+              </a:ext>
+            </a:extLst>
+          </p:cNvPr>
+          <p:cNvPicPr>
+            <a:picLocks noChangeAspect="1"/>
+          </p:cNvPicPr>
+          <p:nvPr/>
+        </p:nvPicPr>
+        <p:blipFill>
+          <a:blip r:embed="rId5"/>
+          <a:stretch>
+            <a:fillRect/>
+          </a:stretch>
+        </p:blipFill>
+        <p:spPr>
+          <a:xfrm>
+            <a:off x="5639805" y="1407308"/>
+            <a:ext cx="1485581" cy="1485581"/>
+          </a:xfrm>
+          <a:prstGeom prst="rect">
+            <a:avLst/>
+          </a:prstGeom>
+          <a:ln>
+            <a:noFill/>
+          </a:ln>
+          <a:effectLst>
+            <a:outerShdw blurRad="292100" dist="139700" dir="2700000" algn="tl" rotWithShape="0">
+              <a:srgbClr val="333333">
+                <a:alpha val="65000"/>
+              </a:srgbClr>
+            </a:outerShdw>
+          </a:effectLst>
+        </p:spPr>
+      </p:pic>
+      <p:sp>
+        <p:nvSpPr>
+          <p:cNvPr id="12" name="Rectangle 11">
+            <a:extLst>
+              <a:ext uri="{FF2B5EF4-FFF2-40B4-BE49-F238E27FC236}">
+                <a16:creationId xmlns:a16="http://schemas.microsoft.com/office/drawing/2014/main" id="{2072FAFA-94BC-4CB4-9048-2C53207196F5}"/>
+              </a:ext>
+            </a:extLst>
+          </p:cNvPr>
+          <p:cNvSpPr/>
+          <p:nvPr/>
+        </p:nvSpPr>
+        <p:spPr>
+          <a:xfrm>
+            <a:off x="7496651" y="3979498"/>
+            <a:ext cx="1564722" cy="1494792"/>
+          </a:xfrm>
+          <a:prstGeom prst="rect">
+            <a:avLst/>
+          </a:prstGeom>
+          <a:effectLst>
+            <a:outerShdw blurRad="50800" dist="38100" algn="l" rotWithShape="0">
+              <a:prstClr val="black">
+                <a:alpha val="40000"/>
+              </a:prstClr>
+            </a:outerShdw>
+          </a:effectLst>
+        </p:spPr>
+        <p:style>
+          <a:lnRef idx="2">
+            <a:schemeClr val="accent2"/>
+          </a:lnRef>
+          <a:fillRef idx="1">
+            <a:schemeClr val="lt1"/>
+          </a:fillRef>
+          <a:effectRef idx="0">
+            <a:schemeClr val="accent2"/>
+          </a:effectRef>
+          <a:fontRef idx="minor">
+            <a:schemeClr val="dk1"/>
+          </a:fontRef>
+        </p:style>
+        <p:txBody>
+          <a:bodyPr rtlCol="0" anchor="ctr"/>
+          <a:lstStyle/>
+          <a:p>
+            <a:pPr algn="ctr"/>
+            <a:r>
+              <a:rPr lang="en-GB" dirty="0"/>
+              <a:t>Web</a:t>
+            </a:r>
+          </a:p>
+        </p:txBody>
+      </p:sp>
+    </p:spTree>
+    <p:extLst>
+      <p:ext uri="{BB962C8B-B14F-4D97-AF65-F5344CB8AC3E}">
+        <p14:creationId xmlns:p14="http://schemas.microsoft.com/office/powerpoint/2010/main" val="3882031267"/>
+      </p:ext>
+    </p:extLst>
+  </p:cSld>
+  <p:clrMapOvr>
+    <a:masterClrMapping/>
+  </p:clrMapOvr>
+</p:sld>
+</file>
+
+<file path=ppt/slides/slide7.xml><?xml version="1.0" encoding="utf-8"?>
+<p:sld xmlns:a="http://schemas.openxmlformats.org/drawingml/2006/main" xmlns:r="http://schemas.openxmlformats.org/officeDocument/2006/relationships" xmlns:p="http://schemas.openxmlformats.org/presentationml/2006/main">
+  <p:cSld>
     <p:spTree>
       <p:nvGrpSpPr>
         <p:cNvPr id="1" name=""/>
@@ -28224,7 +29341,7 @@
             <a:fld id="{FAEF9944-A4F6-4C59-AEBD-678D6480B8EA}" type="slidenum">
               <a:rPr lang="en-US" smtClean="0"/>
               <a:pPr/>
-              <a:t>6</a:t>
+              <a:t>7</a:t>
             </a:fld>
             <a:endParaRPr lang="en-US" dirty="0"/>
           </a:p>
@@ -28286,7 +29403,7 @@
 </p:sld>
 </file>
 
-<file path=ppt/slides/slide7.xml><?xml version="1.0" encoding="utf-8"?>
+<file path=ppt/slides/slide8.xml><?xml version="1.0" encoding="utf-8"?>
 <p:sld xmlns:a="http://schemas.openxmlformats.org/drawingml/2006/main" xmlns:r="http://schemas.openxmlformats.org/officeDocument/2006/relationships" xmlns:p="http://schemas.openxmlformats.org/presentationml/2006/main">
   <p:cSld>
     <p:bg>
@@ -29097,7 +30214,7 @@
                   <a:spcPts val="600"/>
                 </a:spcAft>
               </a:pPr>
-              <a:t>7</a:t>
+              <a:t>8</a:t>
             </a:fld>
             <a:endParaRPr lang="en-US"/>
           </a:p>
@@ -29171,949 +30288,6 @@
     <p:extLst>
       <p:ext uri="{BB962C8B-B14F-4D97-AF65-F5344CB8AC3E}">
         <p14:creationId xmlns:p14="http://schemas.microsoft.com/office/powerpoint/2010/main" val="1933658748"/>
-      </p:ext>
-    </p:extLst>
-  </p:cSld>
-  <p:clrMapOvr>
-    <a:masterClrMapping/>
-  </p:clrMapOvr>
-</p:sld>
-</file>
-
-<file path=ppt/slides/slide8.xml><?xml version="1.0" encoding="utf-8"?>
-<p:sld xmlns:a="http://schemas.openxmlformats.org/drawingml/2006/main" xmlns:r="http://schemas.openxmlformats.org/officeDocument/2006/relationships" xmlns:p="http://schemas.openxmlformats.org/presentationml/2006/main">
-  <p:cSld>
-    <p:bg>
-      <p:bgPr>
-        <a:solidFill>
-          <a:schemeClr val="bg2"/>
-        </a:solidFill>
-        <a:effectLst/>
-      </p:bgPr>
-    </p:bg>
-    <p:spTree>
-      <p:nvGrpSpPr>
-        <p:cNvPr id="1" name=""/>
-        <p:cNvGrpSpPr/>
-        <p:nvPr/>
-      </p:nvGrpSpPr>
-      <p:grpSpPr>
-        <a:xfrm>
-          <a:off x="0" y="0"/>
-          <a:ext cx="0" cy="0"/>
-          <a:chOff x="0" y="0"/>
-          <a:chExt cx="0" cy="0"/>
-        </a:xfrm>
-      </p:grpSpPr>
-      <p:sp useBgFill="1">
-        <p:nvSpPr>
-          <p:cNvPr id="88" name="Rectangle 79">
-            <a:extLst>
-              <a:ext uri="{FF2B5EF4-FFF2-40B4-BE49-F238E27FC236}">
-                <a16:creationId xmlns:a16="http://schemas.microsoft.com/office/drawing/2014/main" id="{8950AD4C-6AF3-49F8-94E1-DBCAFB39478B}"/>
-              </a:ext>
-              <a:ext uri="{C183D7F6-B498-43B3-948B-1728B52AA6E4}">
-                <adec:decorative xmlns:adec="http://schemas.microsoft.com/office/drawing/2017/decorative" val="1"/>
-              </a:ext>
-            </a:extLst>
-          </p:cNvPr>
-          <p:cNvSpPr>
-            <a:spLocks noGrp="1" noRot="1" noChangeAspect="1" noMove="1" noResize="1" noEditPoints="1" noAdjustHandles="1" noChangeArrowheads="1" noChangeShapeType="1" noTextEdit="1"/>
-          </p:cNvSpPr>
-          <p:nvPr>
-            <p:extLst>
-              <p:ext uri="{386F3935-93C4-4BCD-93E2-E3B085C9AB24}">
-                <p16:designElem xmlns:p16="http://schemas.microsoft.com/office/powerpoint/2015/main" val="1"/>
-              </p:ext>
-            </p:extLst>
-          </p:nvPr>
-        </p:nvSpPr>
-        <p:spPr>
-          <a:xfrm>
-            <a:off x="0" y="0"/>
-            <a:ext cx="12192000" cy="6858000"/>
-          </a:xfrm>
-          <a:prstGeom prst="rect">
-            <a:avLst/>
-          </a:prstGeom>
-          <a:ln>
-            <a:noFill/>
-          </a:ln>
-        </p:spPr>
-        <p:style>
-          <a:lnRef idx="2">
-            <a:schemeClr val="accent1">
-              <a:shade val="50000"/>
-            </a:schemeClr>
-          </a:lnRef>
-          <a:fillRef idx="1">
-            <a:schemeClr val="accent1"/>
-          </a:fillRef>
-          <a:effectRef idx="0">
-            <a:schemeClr val="accent1"/>
-          </a:effectRef>
-          <a:fontRef idx="minor">
-            <a:schemeClr val="lt1"/>
-          </a:fontRef>
-        </p:style>
-        <p:txBody>
-          <a:bodyPr rtlCol="0" anchor="ctr"/>
-          <a:lstStyle/>
-          <a:p>
-            <a:pPr algn="ctr"/>
-            <a:endParaRPr lang="en-US"/>
-          </a:p>
-        </p:txBody>
-      </p:sp>
-      <p:sp>
-        <p:nvSpPr>
-          <p:cNvPr id="89" name="Freeform: Shape 81">
-            <a:extLst>
-              <a:ext uri="{FF2B5EF4-FFF2-40B4-BE49-F238E27FC236}">
-                <a16:creationId xmlns:a16="http://schemas.microsoft.com/office/drawing/2014/main" id="{55C62259-4F90-418D-908C-9127ACC5FE90}"/>
-              </a:ext>
-              <a:ext uri="{C183D7F6-B498-43B3-948B-1728B52AA6E4}">
-                <adec:decorative xmlns:adec="http://schemas.microsoft.com/office/drawing/2017/decorative" val="1"/>
-              </a:ext>
-            </a:extLst>
-          </p:cNvPr>
-          <p:cNvSpPr>
-            <a:spLocks noGrp="1" noRot="1" noChangeAspect="1" noMove="1" noResize="1" noEditPoints="1" noAdjustHandles="1" noChangeArrowheads="1" noChangeShapeType="1" noTextEdit="1"/>
-          </p:cNvSpPr>
-          <p:nvPr>
-            <p:extLst>
-              <p:ext uri="{386F3935-93C4-4BCD-93E2-E3B085C9AB24}">
-                <p16:designElem xmlns:p16="http://schemas.microsoft.com/office/powerpoint/2015/main" val="1"/>
-              </p:ext>
-            </p:extLst>
-          </p:nvPr>
-        </p:nvSpPr>
-        <p:spPr>
-          <a:xfrm>
-            <a:off x="2630839" y="370224"/>
-            <a:ext cx="7203799" cy="6030364"/>
-          </a:xfrm>
-          <a:custGeom>
-            <a:avLst/>
-            <a:gdLst>
-              <a:gd name="connsiteX0" fmla="*/ 2180840 w 3810827"/>
-              <a:gd name="connsiteY0" fmla="*/ 0 h 3634591"/>
-              <a:gd name="connsiteX1" fmla="*/ 2866380 w 3810827"/>
-              <a:gd name="connsiteY1" fmla="*/ 145165 h 3634591"/>
-              <a:gd name="connsiteX2" fmla="*/ 3366366 w 3810827"/>
-              <a:gd name="connsiteY2" fmla="*/ 536835 h 3634591"/>
-              <a:gd name="connsiteX3" fmla="*/ 3810827 w 3810827"/>
-              <a:gd name="connsiteY3" fmla="*/ 1924156 h 3634591"/>
-              <a:gd name="connsiteX4" fmla="*/ 3612844 w 3810827"/>
-              <a:gd name="connsiteY4" fmla="*/ 2493111 h 3634591"/>
-              <a:gd name="connsiteX5" fmla="*/ 3026664 w 3810827"/>
-              <a:gd name="connsiteY5" fmla="*/ 3022891 h 3634591"/>
-              <a:gd name="connsiteX6" fmla="*/ 2897783 w 3810827"/>
-              <a:gd name="connsiteY6" fmla="*/ 3124233 h 3634591"/>
-              <a:gd name="connsiteX7" fmla="*/ 1838765 w 3810827"/>
-              <a:gd name="connsiteY7" fmla="*/ 3634591 h 3634591"/>
-              <a:gd name="connsiteX8" fmla="*/ 443724 w 3810827"/>
-              <a:gd name="connsiteY8" fmla="*/ 2805020 h 3634591"/>
-              <a:gd name="connsiteX9" fmla="*/ 295053 w 3810827"/>
-              <a:gd name="connsiteY9" fmla="*/ 2592792 h 3634591"/>
-              <a:gd name="connsiteX10" fmla="*/ 0 w 3810827"/>
-              <a:gd name="connsiteY10" fmla="*/ 1924156 h 3634591"/>
-              <a:gd name="connsiteX11" fmla="*/ 178275 w 3810827"/>
-              <a:gd name="connsiteY11" fmla="*/ 1204061 h 3634591"/>
-              <a:gd name="connsiteX12" fmla="*/ 669921 w 3810827"/>
-              <a:gd name="connsiteY12" fmla="*/ 585306 h 3634591"/>
-              <a:gd name="connsiteX13" fmla="*/ 1380730 w 3810827"/>
-              <a:gd name="connsiteY13" fmla="*/ 156203 h 3634591"/>
-              <a:gd name="connsiteX14" fmla="*/ 2180840 w 3810827"/>
-              <a:gd name="connsiteY14" fmla="*/ 0 h 3634591"/>
-            </a:gdLst>
-            <a:ahLst/>
-            <a:cxnLst>
-              <a:cxn ang="0">
-                <a:pos x="connsiteX0" y="connsiteY0"/>
-              </a:cxn>
-              <a:cxn ang="0">
-                <a:pos x="connsiteX1" y="connsiteY1"/>
-              </a:cxn>
-              <a:cxn ang="0">
-                <a:pos x="connsiteX2" y="connsiteY2"/>
-              </a:cxn>
-              <a:cxn ang="0">
-                <a:pos x="connsiteX3" y="connsiteY3"/>
-              </a:cxn>
-              <a:cxn ang="0">
-                <a:pos x="connsiteX4" y="connsiteY4"/>
-              </a:cxn>
-              <a:cxn ang="0">
-                <a:pos x="connsiteX5" y="connsiteY5"/>
-              </a:cxn>
-              <a:cxn ang="0">
-                <a:pos x="connsiteX6" y="connsiteY6"/>
-              </a:cxn>
-              <a:cxn ang="0">
-                <a:pos x="connsiteX7" y="connsiteY7"/>
-              </a:cxn>
-              <a:cxn ang="0">
-                <a:pos x="connsiteX8" y="connsiteY8"/>
-              </a:cxn>
-              <a:cxn ang="0">
-                <a:pos x="connsiteX9" y="connsiteY9"/>
-              </a:cxn>
-              <a:cxn ang="0">
-                <a:pos x="connsiteX10" y="connsiteY10"/>
-              </a:cxn>
-              <a:cxn ang="0">
-                <a:pos x="connsiteX11" y="connsiteY11"/>
-              </a:cxn>
-              <a:cxn ang="0">
-                <a:pos x="connsiteX12" y="connsiteY12"/>
-              </a:cxn>
-              <a:cxn ang="0">
-                <a:pos x="connsiteX13" y="connsiteY13"/>
-              </a:cxn>
-              <a:cxn ang="0">
-                <a:pos x="connsiteX14" y="connsiteY14"/>
-              </a:cxn>
-            </a:cxnLst>
-            <a:rect l="l" t="t" r="r" b="b"/>
-            <a:pathLst>
-              <a:path w="3810827" h="3634591">
-                <a:moveTo>
-                  <a:pt x="2180840" y="0"/>
-                </a:moveTo>
-                <a:cubicBezTo>
-                  <a:pt x="2431406" y="0"/>
-                  <a:pt x="2662018" y="48886"/>
-                  <a:pt x="2866380" y="145165"/>
-                </a:cubicBezTo>
-                <a:cubicBezTo>
-                  <a:pt x="3057903" y="235467"/>
-                  <a:pt x="3226119" y="367269"/>
-                  <a:pt x="3366366" y="536835"/>
-                </a:cubicBezTo>
-                <a:cubicBezTo>
-                  <a:pt x="3652997" y="883519"/>
-                  <a:pt x="3810827" y="1376199"/>
-                  <a:pt x="3810827" y="1924156"/>
-                </a:cubicBezTo>
-                <a:cubicBezTo>
-                  <a:pt x="3810827" y="2142775"/>
-                  <a:pt x="3749739" y="2318234"/>
-                  <a:pt x="3612844" y="2493111"/>
-                </a:cubicBezTo>
-                <a:cubicBezTo>
-                  <a:pt x="3469652" y="2676041"/>
-                  <a:pt x="3254495" y="2844528"/>
-                  <a:pt x="3026664" y="3022891"/>
-                </a:cubicBezTo>
-                <a:cubicBezTo>
-                  <a:pt x="2984630" y="3055759"/>
-                  <a:pt x="2941206" y="3089789"/>
-                  <a:pt x="2897783" y="3124233"/>
-                </a:cubicBezTo>
-                <a:cubicBezTo>
-                  <a:pt x="2509094" y="3432490"/>
-                  <a:pt x="2225408" y="3634591"/>
-                  <a:pt x="1838765" y="3634591"/>
-                </a:cubicBezTo>
-                <a:cubicBezTo>
-                  <a:pt x="1249640" y="3634591"/>
-                  <a:pt x="832413" y="3386508"/>
-                  <a:pt x="443724" y="2805020"/>
-                </a:cubicBezTo>
-                <a:cubicBezTo>
-                  <a:pt x="392859" y="2728910"/>
-                  <a:pt x="343138" y="2659690"/>
-                  <a:pt x="295053" y="2592792"/>
-                </a:cubicBezTo>
-                <a:cubicBezTo>
-                  <a:pt x="95761" y="2315411"/>
-                  <a:pt x="0" y="2171160"/>
-                  <a:pt x="0" y="1924156"/>
-                </a:cubicBezTo>
-                <a:cubicBezTo>
-                  <a:pt x="0" y="1678896"/>
-                  <a:pt x="60024" y="1436622"/>
-                  <a:pt x="178275" y="1204061"/>
-                </a:cubicBezTo>
-                <a:cubicBezTo>
-                  <a:pt x="293990" y="976561"/>
-                  <a:pt x="459425" y="768319"/>
-                  <a:pt x="669921" y="585306"/>
-                </a:cubicBezTo>
-                <a:cubicBezTo>
-                  <a:pt x="876818" y="405365"/>
-                  <a:pt x="1122558" y="256964"/>
-                  <a:pt x="1380730" y="156203"/>
-                </a:cubicBezTo>
-                <a:cubicBezTo>
-                  <a:pt x="1645852" y="52539"/>
-                  <a:pt x="1915145" y="0"/>
-                  <a:pt x="2180840" y="0"/>
-                </a:cubicBezTo>
-                <a:close/>
-              </a:path>
-            </a:pathLst>
-          </a:custGeom>
-          <a:solidFill>
-            <a:srgbClr val="FFFFFF">
-              <a:alpha val="60000"/>
-            </a:srgbClr>
-          </a:solidFill>
-          <a:ln w="15875">
-            <a:noFill/>
-          </a:ln>
-        </p:spPr>
-        <p:style>
-          <a:lnRef idx="2">
-            <a:schemeClr val="accent1">
-              <a:shade val="50000"/>
-            </a:schemeClr>
-          </a:lnRef>
-          <a:fillRef idx="1">
-            <a:schemeClr val="accent1"/>
-          </a:fillRef>
-          <a:effectRef idx="0">
-            <a:schemeClr val="accent1"/>
-          </a:effectRef>
-          <a:fontRef idx="minor">
-            <a:schemeClr val="lt1"/>
-          </a:fontRef>
-        </p:style>
-        <p:txBody>
-          <a:bodyPr wrap="square" rtlCol="0" anchor="ctr">
-            <a:noAutofit/>
-          </a:bodyPr>
-          <a:lstStyle/>
-          <a:p>
-            <a:pPr algn="ctr"/>
-            <a:endParaRPr lang="en-US" dirty="0"/>
-          </a:p>
-        </p:txBody>
-      </p:sp>
-      <p:sp>
-        <p:nvSpPr>
-          <p:cNvPr id="90" name="Freeform: Shape 83">
-            <a:extLst>
-              <a:ext uri="{FF2B5EF4-FFF2-40B4-BE49-F238E27FC236}">
-                <a16:creationId xmlns:a16="http://schemas.microsoft.com/office/drawing/2014/main" id="{CA835FD4-D707-4178-B672-AC418F0BE52D}"/>
-              </a:ext>
-              <a:ext uri="{C183D7F6-B498-43B3-948B-1728B52AA6E4}">
-                <adec:decorative xmlns:adec="http://schemas.microsoft.com/office/drawing/2017/decorative" val="1"/>
-              </a:ext>
-            </a:extLst>
-          </p:cNvPr>
-          <p:cNvSpPr>
-            <a:spLocks noGrp="1" noRot="1" noChangeAspect="1" noMove="1" noResize="1" noEditPoints="1" noAdjustHandles="1" noChangeArrowheads="1" noChangeShapeType="1" noTextEdit="1"/>
-          </p:cNvSpPr>
-          <p:nvPr>
-            <p:extLst>
-              <p:ext uri="{386F3935-93C4-4BCD-93E2-E3B085C9AB24}">
-                <p16:designElem xmlns:p16="http://schemas.microsoft.com/office/powerpoint/2015/main" val="1"/>
-              </p:ext>
-            </p:extLst>
-          </p:nvPr>
-        </p:nvSpPr>
-        <p:spPr>
-          <a:xfrm>
-            <a:off x="2343467" y="143123"/>
-            <a:ext cx="7778543" cy="6484567"/>
-          </a:xfrm>
-          <a:custGeom>
-            <a:avLst/>
-            <a:gdLst>
-              <a:gd name="connsiteX0" fmla="*/ 2180840 w 3810827"/>
-              <a:gd name="connsiteY0" fmla="*/ 0 h 3634591"/>
-              <a:gd name="connsiteX1" fmla="*/ 2866380 w 3810827"/>
-              <a:gd name="connsiteY1" fmla="*/ 145165 h 3634591"/>
-              <a:gd name="connsiteX2" fmla="*/ 3366366 w 3810827"/>
-              <a:gd name="connsiteY2" fmla="*/ 536835 h 3634591"/>
-              <a:gd name="connsiteX3" fmla="*/ 3810827 w 3810827"/>
-              <a:gd name="connsiteY3" fmla="*/ 1924156 h 3634591"/>
-              <a:gd name="connsiteX4" fmla="*/ 3612844 w 3810827"/>
-              <a:gd name="connsiteY4" fmla="*/ 2493111 h 3634591"/>
-              <a:gd name="connsiteX5" fmla="*/ 3026664 w 3810827"/>
-              <a:gd name="connsiteY5" fmla="*/ 3022891 h 3634591"/>
-              <a:gd name="connsiteX6" fmla="*/ 2897783 w 3810827"/>
-              <a:gd name="connsiteY6" fmla="*/ 3124233 h 3634591"/>
-              <a:gd name="connsiteX7" fmla="*/ 1838765 w 3810827"/>
-              <a:gd name="connsiteY7" fmla="*/ 3634591 h 3634591"/>
-              <a:gd name="connsiteX8" fmla="*/ 443724 w 3810827"/>
-              <a:gd name="connsiteY8" fmla="*/ 2805020 h 3634591"/>
-              <a:gd name="connsiteX9" fmla="*/ 295053 w 3810827"/>
-              <a:gd name="connsiteY9" fmla="*/ 2592792 h 3634591"/>
-              <a:gd name="connsiteX10" fmla="*/ 0 w 3810827"/>
-              <a:gd name="connsiteY10" fmla="*/ 1924156 h 3634591"/>
-              <a:gd name="connsiteX11" fmla="*/ 178275 w 3810827"/>
-              <a:gd name="connsiteY11" fmla="*/ 1204061 h 3634591"/>
-              <a:gd name="connsiteX12" fmla="*/ 669921 w 3810827"/>
-              <a:gd name="connsiteY12" fmla="*/ 585306 h 3634591"/>
-              <a:gd name="connsiteX13" fmla="*/ 1380730 w 3810827"/>
-              <a:gd name="connsiteY13" fmla="*/ 156203 h 3634591"/>
-              <a:gd name="connsiteX14" fmla="*/ 2180840 w 3810827"/>
-              <a:gd name="connsiteY14" fmla="*/ 0 h 3634591"/>
-            </a:gdLst>
-            <a:ahLst/>
-            <a:cxnLst>
-              <a:cxn ang="0">
-                <a:pos x="connsiteX0" y="connsiteY0"/>
-              </a:cxn>
-              <a:cxn ang="0">
-                <a:pos x="connsiteX1" y="connsiteY1"/>
-              </a:cxn>
-              <a:cxn ang="0">
-                <a:pos x="connsiteX2" y="connsiteY2"/>
-              </a:cxn>
-              <a:cxn ang="0">
-                <a:pos x="connsiteX3" y="connsiteY3"/>
-              </a:cxn>
-              <a:cxn ang="0">
-                <a:pos x="connsiteX4" y="connsiteY4"/>
-              </a:cxn>
-              <a:cxn ang="0">
-                <a:pos x="connsiteX5" y="connsiteY5"/>
-              </a:cxn>
-              <a:cxn ang="0">
-                <a:pos x="connsiteX6" y="connsiteY6"/>
-              </a:cxn>
-              <a:cxn ang="0">
-                <a:pos x="connsiteX7" y="connsiteY7"/>
-              </a:cxn>
-              <a:cxn ang="0">
-                <a:pos x="connsiteX8" y="connsiteY8"/>
-              </a:cxn>
-              <a:cxn ang="0">
-                <a:pos x="connsiteX9" y="connsiteY9"/>
-              </a:cxn>
-              <a:cxn ang="0">
-                <a:pos x="connsiteX10" y="connsiteY10"/>
-              </a:cxn>
-              <a:cxn ang="0">
-                <a:pos x="connsiteX11" y="connsiteY11"/>
-              </a:cxn>
-              <a:cxn ang="0">
-                <a:pos x="connsiteX12" y="connsiteY12"/>
-              </a:cxn>
-              <a:cxn ang="0">
-                <a:pos x="connsiteX13" y="connsiteY13"/>
-              </a:cxn>
-              <a:cxn ang="0">
-                <a:pos x="connsiteX14" y="connsiteY14"/>
-              </a:cxn>
-            </a:cxnLst>
-            <a:rect l="l" t="t" r="r" b="b"/>
-            <a:pathLst>
-              <a:path w="3810827" h="3634591">
-                <a:moveTo>
-                  <a:pt x="2180840" y="0"/>
-                </a:moveTo>
-                <a:cubicBezTo>
-                  <a:pt x="2431406" y="0"/>
-                  <a:pt x="2662018" y="48886"/>
-                  <a:pt x="2866380" y="145165"/>
-                </a:cubicBezTo>
-                <a:cubicBezTo>
-                  <a:pt x="3057903" y="235467"/>
-                  <a:pt x="3226119" y="367269"/>
-                  <a:pt x="3366366" y="536835"/>
-                </a:cubicBezTo>
-                <a:cubicBezTo>
-                  <a:pt x="3652997" y="883519"/>
-                  <a:pt x="3810827" y="1376199"/>
-                  <a:pt x="3810827" y="1924156"/>
-                </a:cubicBezTo>
-                <a:cubicBezTo>
-                  <a:pt x="3810827" y="2142775"/>
-                  <a:pt x="3749739" y="2318234"/>
-                  <a:pt x="3612844" y="2493111"/>
-                </a:cubicBezTo>
-                <a:cubicBezTo>
-                  <a:pt x="3469652" y="2676041"/>
-                  <a:pt x="3254495" y="2844528"/>
-                  <a:pt x="3026664" y="3022891"/>
-                </a:cubicBezTo>
-                <a:cubicBezTo>
-                  <a:pt x="2984630" y="3055759"/>
-                  <a:pt x="2941206" y="3089789"/>
-                  <a:pt x="2897783" y="3124233"/>
-                </a:cubicBezTo>
-                <a:cubicBezTo>
-                  <a:pt x="2509094" y="3432490"/>
-                  <a:pt x="2225408" y="3634591"/>
-                  <a:pt x="1838765" y="3634591"/>
-                </a:cubicBezTo>
-                <a:cubicBezTo>
-                  <a:pt x="1249640" y="3634591"/>
-                  <a:pt x="832413" y="3386508"/>
-                  <a:pt x="443724" y="2805020"/>
-                </a:cubicBezTo>
-                <a:cubicBezTo>
-                  <a:pt x="392859" y="2728910"/>
-                  <a:pt x="343138" y="2659690"/>
-                  <a:pt x="295053" y="2592792"/>
-                </a:cubicBezTo>
-                <a:cubicBezTo>
-                  <a:pt x="95761" y="2315411"/>
-                  <a:pt x="0" y="2171160"/>
-                  <a:pt x="0" y="1924156"/>
-                </a:cubicBezTo>
-                <a:cubicBezTo>
-                  <a:pt x="0" y="1678896"/>
-                  <a:pt x="60024" y="1436622"/>
-                  <a:pt x="178275" y="1204061"/>
-                </a:cubicBezTo>
-                <a:cubicBezTo>
-                  <a:pt x="293990" y="976561"/>
-                  <a:pt x="459425" y="768319"/>
-                  <a:pt x="669921" y="585306"/>
-                </a:cubicBezTo>
-                <a:cubicBezTo>
-                  <a:pt x="876818" y="405365"/>
-                  <a:pt x="1122558" y="256964"/>
-                  <a:pt x="1380730" y="156203"/>
-                </a:cubicBezTo>
-                <a:cubicBezTo>
-                  <a:pt x="1645852" y="52539"/>
-                  <a:pt x="1915145" y="0"/>
-                  <a:pt x="2180840" y="0"/>
-                </a:cubicBezTo>
-                <a:close/>
-              </a:path>
-            </a:pathLst>
-          </a:custGeom>
-          <a:noFill/>
-          <a:ln w="19050">
-            <a:solidFill>
-              <a:srgbClr val="FFFFFF"/>
-            </a:solidFill>
-          </a:ln>
-        </p:spPr>
-        <p:style>
-          <a:lnRef idx="2">
-            <a:schemeClr val="accent1">
-              <a:shade val="50000"/>
-            </a:schemeClr>
-          </a:lnRef>
-          <a:fillRef idx="1">
-            <a:schemeClr val="accent1"/>
-          </a:fillRef>
-          <a:effectRef idx="0">
-            <a:schemeClr val="accent1"/>
-          </a:effectRef>
-          <a:fontRef idx="minor">
-            <a:schemeClr val="lt1"/>
-          </a:fontRef>
-        </p:style>
-        <p:txBody>
-          <a:bodyPr wrap="square" rtlCol="0" anchor="ctr">
-            <a:noAutofit/>
-          </a:bodyPr>
-          <a:lstStyle/>
-          <a:p>
-            <a:pPr algn="ctr"/>
-            <a:endParaRPr lang="en-US" dirty="0"/>
-          </a:p>
-        </p:txBody>
-      </p:sp>
-      <p:sp>
-        <p:nvSpPr>
-          <p:cNvPr id="91" name="Freeform: Shape 85">
-            <a:extLst>
-              <a:ext uri="{FF2B5EF4-FFF2-40B4-BE49-F238E27FC236}">
-                <a16:creationId xmlns:a16="http://schemas.microsoft.com/office/drawing/2014/main" id="{DEAEE08D-A745-4391-9073-9E99767E09D4}"/>
-              </a:ext>
-              <a:ext uri="{C183D7F6-B498-43B3-948B-1728B52AA6E4}">
-                <adec:decorative xmlns:adec="http://schemas.microsoft.com/office/drawing/2017/decorative" val="1"/>
-              </a:ext>
-            </a:extLst>
-          </p:cNvPr>
-          <p:cNvSpPr>
-            <a:spLocks noGrp="1" noRot="1" noChangeAspect="1" noMove="1" noResize="1" noEditPoints="1" noAdjustHandles="1" noChangeArrowheads="1" noChangeShapeType="1" noTextEdit="1"/>
-          </p:cNvSpPr>
-          <p:nvPr>
-            <p:extLst>
-              <p:ext uri="{386F3935-93C4-4BCD-93E2-E3B085C9AB24}">
-                <p16:designElem xmlns:p16="http://schemas.microsoft.com/office/powerpoint/2015/main" val="1"/>
-              </p:ext>
-            </p:extLst>
-          </p:nvPr>
-        </p:nvSpPr>
-        <p:spPr>
-          <a:xfrm>
-            <a:off x="2504539" y="266074"/>
-            <a:ext cx="7489662" cy="6252180"/>
-          </a:xfrm>
-          <a:custGeom>
-            <a:avLst/>
-            <a:gdLst>
-              <a:gd name="connsiteX0" fmla="*/ 2180840 w 3810827"/>
-              <a:gd name="connsiteY0" fmla="*/ 0 h 3634591"/>
-              <a:gd name="connsiteX1" fmla="*/ 2866380 w 3810827"/>
-              <a:gd name="connsiteY1" fmla="*/ 145165 h 3634591"/>
-              <a:gd name="connsiteX2" fmla="*/ 3366366 w 3810827"/>
-              <a:gd name="connsiteY2" fmla="*/ 536835 h 3634591"/>
-              <a:gd name="connsiteX3" fmla="*/ 3810827 w 3810827"/>
-              <a:gd name="connsiteY3" fmla="*/ 1924156 h 3634591"/>
-              <a:gd name="connsiteX4" fmla="*/ 3612844 w 3810827"/>
-              <a:gd name="connsiteY4" fmla="*/ 2493111 h 3634591"/>
-              <a:gd name="connsiteX5" fmla="*/ 3026664 w 3810827"/>
-              <a:gd name="connsiteY5" fmla="*/ 3022891 h 3634591"/>
-              <a:gd name="connsiteX6" fmla="*/ 2897783 w 3810827"/>
-              <a:gd name="connsiteY6" fmla="*/ 3124233 h 3634591"/>
-              <a:gd name="connsiteX7" fmla="*/ 1838765 w 3810827"/>
-              <a:gd name="connsiteY7" fmla="*/ 3634591 h 3634591"/>
-              <a:gd name="connsiteX8" fmla="*/ 443724 w 3810827"/>
-              <a:gd name="connsiteY8" fmla="*/ 2805020 h 3634591"/>
-              <a:gd name="connsiteX9" fmla="*/ 295053 w 3810827"/>
-              <a:gd name="connsiteY9" fmla="*/ 2592792 h 3634591"/>
-              <a:gd name="connsiteX10" fmla="*/ 0 w 3810827"/>
-              <a:gd name="connsiteY10" fmla="*/ 1924156 h 3634591"/>
-              <a:gd name="connsiteX11" fmla="*/ 178275 w 3810827"/>
-              <a:gd name="connsiteY11" fmla="*/ 1204061 h 3634591"/>
-              <a:gd name="connsiteX12" fmla="*/ 669921 w 3810827"/>
-              <a:gd name="connsiteY12" fmla="*/ 585306 h 3634591"/>
-              <a:gd name="connsiteX13" fmla="*/ 1380730 w 3810827"/>
-              <a:gd name="connsiteY13" fmla="*/ 156203 h 3634591"/>
-              <a:gd name="connsiteX14" fmla="*/ 2180840 w 3810827"/>
-              <a:gd name="connsiteY14" fmla="*/ 0 h 3634591"/>
-            </a:gdLst>
-            <a:ahLst/>
-            <a:cxnLst>
-              <a:cxn ang="0">
-                <a:pos x="connsiteX0" y="connsiteY0"/>
-              </a:cxn>
-              <a:cxn ang="0">
-                <a:pos x="connsiteX1" y="connsiteY1"/>
-              </a:cxn>
-              <a:cxn ang="0">
-                <a:pos x="connsiteX2" y="connsiteY2"/>
-              </a:cxn>
-              <a:cxn ang="0">
-                <a:pos x="connsiteX3" y="connsiteY3"/>
-              </a:cxn>
-              <a:cxn ang="0">
-                <a:pos x="connsiteX4" y="connsiteY4"/>
-              </a:cxn>
-              <a:cxn ang="0">
-                <a:pos x="connsiteX5" y="connsiteY5"/>
-              </a:cxn>
-              <a:cxn ang="0">
-                <a:pos x="connsiteX6" y="connsiteY6"/>
-              </a:cxn>
-              <a:cxn ang="0">
-                <a:pos x="connsiteX7" y="connsiteY7"/>
-              </a:cxn>
-              <a:cxn ang="0">
-                <a:pos x="connsiteX8" y="connsiteY8"/>
-              </a:cxn>
-              <a:cxn ang="0">
-                <a:pos x="connsiteX9" y="connsiteY9"/>
-              </a:cxn>
-              <a:cxn ang="0">
-                <a:pos x="connsiteX10" y="connsiteY10"/>
-              </a:cxn>
-              <a:cxn ang="0">
-                <a:pos x="connsiteX11" y="connsiteY11"/>
-              </a:cxn>
-              <a:cxn ang="0">
-                <a:pos x="connsiteX12" y="connsiteY12"/>
-              </a:cxn>
-              <a:cxn ang="0">
-                <a:pos x="connsiteX13" y="connsiteY13"/>
-              </a:cxn>
-              <a:cxn ang="0">
-                <a:pos x="connsiteX14" y="connsiteY14"/>
-              </a:cxn>
-            </a:cxnLst>
-            <a:rect l="l" t="t" r="r" b="b"/>
-            <a:pathLst>
-              <a:path w="3810827" h="3634591">
-                <a:moveTo>
-                  <a:pt x="2180840" y="0"/>
-                </a:moveTo>
-                <a:cubicBezTo>
-                  <a:pt x="2431406" y="0"/>
-                  <a:pt x="2662018" y="48886"/>
-                  <a:pt x="2866380" y="145165"/>
-                </a:cubicBezTo>
-                <a:cubicBezTo>
-                  <a:pt x="3057903" y="235467"/>
-                  <a:pt x="3226119" y="367269"/>
-                  <a:pt x="3366366" y="536835"/>
-                </a:cubicBezTo>
-                <a:cubicBezTo>
-                  <a:pt x="3652997" y="883519"/>
-                  <a:pt x="3810827" y="1376199"/>
-                  <a:pt x="3810827" y="1924156"/>
-                </a:cubicBezTo>
-                <a:cubicBezTo>
-                  <a:pt x="3810827" y="2142775"/>
-                  <a:pt x="3749739" y="2318234"/>
-                  <a:pt x="3612844" y="2493111"/>
-                </a:cubicBezTo>
-                <a:cubicBezTo>
-                  <a:pt x="3469652" y="2676041"/>
-                  <a:pt x="3254495" y="2844528"/>
-                  <a:pt x="3026664" y="3022891"/>
-                </a:cubicBezTo>
-                <a:cubicBezTo>
-                  <a:pt x="2984630" y="3055759"/>
-                  <a:pt x="2941206" y="3089789"/>
-                  <a:pt x="2897783" y="3124233"/>
-                </a:cubicBezTo>
-                <a:cubicBezTo>
-                  <a:pt x="2509094" y="3432490"/>
-                  <a:pt x="2225408" y="3634591"/>
-                  <a:pt x="1838765" y="3634591"/>
-                </a:cubicBezTo>
-                <a:cubicBezTo>
-                  <a:pt x="1249640" y="3634591"/>
-                  <a:pt x="832413" y="3386508"/>
-                  <a:pt x="443724" y="2805020"/>
-                </a:cubicBezTo>
-                <a:cubicBezTo>
-                  <a:pt x="392859" y="2728910"/>
-                  <a:pt x="343138" y="2659690"/>
-                  <a:pt x="295053" y="2592792"/>
-                </a:cubicBezTo>
-                <a:cubicBezTo>
-                  <a:pt x="95761" y="2315411"/>
-                  <a:pt x="0" y="2171160"/>
-                  <a:pt x="0" y="1924156"/>
-                </a:cubicBezTo>
-                <a:cubicBezTo>
-                  <a:pt x="0" y="1678896"/>
-                  <a:pt x="60024" y="1436622"/>
-                  <a:pt x="178275" y="1204061"/>
-                </a:cubicBezTo>
-                <a:cubicBezTo>
-                  <a:pt x="293990" y="976561"/>
-                  <a:pt x="459425" y="768319"/>
-                  <a:pt x="669921" y="585306"/>
-                </a:cubicBezTo>
-                <a:cubicBezTo>
-                  <a:pt x="876818" y="405365"/>
-                  <a:pt x="1122558" y="256964"/>
-                  <a:pt x="1380730" y="156203"/>
-                </a:cubicBezTo>
-                <a:cubicBezTo>
-                  <a:pt x="1645852" y="52539"/>
-                  <a:pt x="1915145" y="0"/>
-                  <a:pt x="2180840" y="0"/>
-                </a:cubicBezTo>
-                <a:close/>
-              </a:path>
-            </a:pathLst>
-          </a:custGeom>
-          <a:noFill/>
-          <a:ln w="15875">
-            <a:solidFill>
-              <a:srgbClr val="FFFFFF"/>
-            </a:solidFill>
-          </a:ln>
-        </p:spPr>
-        <p:style>
-          <a:lnRef idx="2">
-            <a:schemeClr val="accent1">
-              <a:shade val="50000"/>
-            </a:schemeClr>
-          </a:lnRef>
-          <a:fillRef idx="1">
-            <a:schemeClr val="accent1"/>
-          </a:fillRef>
-          <a:effectRef idx="0">
-            <a:schemeClr val="accent1"/>
-          </a:effectRef>
-          <a:fontRef idx="minor">
-            <a:schemeClr val="lt1"/>
-          </a:fontRef>
-        </p:style>
-        <p:txBody>
-          <a:bodyPr wrap="square" rtlCol="0" anchor="ctr">
-            <a:noAutofit/>
-          </a:bodyPr>
-          <a:lstStyle/>
-          <a:p>
-            <a:pPr algn="ctr"/>
-            <a:endParaRPr lang="en-US" dirty="0"/>
-          </a:p>
-        </p:txBody>
-      </p:sp>
-      <p:pic>
-        <p:nvPicPr>
-          <p:cNvPr id="10" name="Picture Placeholder 9">
-            <a:extLst>
-              <a:ext uri="{FF2B5EF4-FFF2-40B4-BE49-F238E27FC236}">
-                <a16:creationId xmlns:a16="http://schemas.microsoft.com/office/drawing/2014/main" id="{CAA82CD4-07C1-403F-9463-C28AF924A8E1}"/>
-              </a:ext>
-            </a:extLst>
-          </p:cNvPr>
-          <p:cNvPicPr>
-            <a:picLocks noGrp="1" noChangeAspect="1"/>
-          </p:cNvPicPr>
-          <p:nvPr>
-            <p:ph type="pic" sz="quarter" idx="13"/>
-          </p:nvPr>
-        </p:nvPicPr>
-        <p:blipFill rotWithShape="1">
-          <a:blip r:embed="rId2"/>
-          <a:srcRect l="6132" r="6129" b="-2"/>
-          <a:stretch/>
-        </p:blipFill>
-        <p:spPr>
-          <a:xfrm>
-            <a:off x="1551332" y="523780"/>
-            <a:ext cx="3558197" cy="3041650"/>
-          </a:xfrm>
-          <a:custGeom>
-            <a:avLst/>
-            <a:gdLst/>
-            <a:ahLst/>
-            <a:cxnLst/>
-            <a:rect l="l" t="t" r="r" b="b"/>
-            <a:pathLst>
-              <a:path w="4292584" h="4094066">
-                <a:moveTo>
-                  <a:pt x="2456537" y="0"/>
-                </a:moveTo>
-                <a:cubicBezTo>
-                  <a:pt x="2738780" y="0"/>
-                  <a:pt x="2998545" y="55066"/>
-                  <a:pt x="3228742" y="163517"/>
-                </a:cubicBezTo>
-                <a:cubicBezTo>
-                  <a:pt x="3444477" y="265234"/>
-                  <a:pt x="3633959" y="413698"/>
-                  <a:pt x="3791935" y="604700"/>
-                </a:cubicBezTo>
-                <a:cubicBezTo>
-                  <a:pt x="4114802" y="995211"/>
-                  <a:pt x="4292584" y="1550174"/>
-                  <a:pt x="4292584" y="2167403"/>
-                </a:cubicBezTo>
-                <a:cubicBezTo>
-                  <a:pt x="4292584" y="2413659"/>
-                  <a:pt x="4223774" y="2611299"/>
-                  <a:pt x="4069573" y="2808283"/>
-                </a:cubicBezTo>
-                <a:cubicBezTo>
-                  <a:pt x="3908278" y="3014339"/>
-                  <a:pt x="3665922" y="3204126"/>
-                  <a:pt x="3409289" y="3405037"/>
-                </a:cubicBezTo>
-                <a:cubicBezTo>
-                  <a:pt x="3361941" y="3442060"/>
-                  <a:pt x="3313027" y="3480392"/>
-                  <a:pt x="3264115" y="3519190"/>
-                </a:cubicBezTo>
-                <a:cubicBezTo>
-                  <a:pt x="2826289" y="3866416"/>
-                  <a:pt x="2506740" y="4094066"/>
-                  <a:pt x="2071218" y="4094066"/>
-                </a:cubicBezTo>
-                <a:cubicBezTo>
-                  <a:pt x="1407617" y="4094066"/>
-                  <a:pt x="937645" y="3814621"/>
-                  <a:pt x="499819" y="3159623"/>
-                </a:cubicBezTo>
-                <a:cubicBezTo>
-                  <a:pt x="442524" y="3073891"/>
-                  <a:pt x="386517" y="2995921"/>
-                  <a:pt x="332353" y="2920566"/>
-                </a:cubicBezTo>
-                <a:cubicBezTo>
-                  <a:pt x="107867" y="2608119"/>
-                  <a:pt x="0" y="2445632"/>
-                  <a:pt x="0" y="2167403"/>
-                </a:cubicBezTo>
-                <a:cubicBezTo>
-                  <a:pt x="0" y="1891138"/>
-                  <a:pt x="67612" y="1618236"/>
-                  <a:pt x="200812" y="1356275"/>
-                </a:cubicBezTo>
-                <a:cubicBezTo>
-                  <a:pt x="331156" y="1100015"/>
-                  <a:pt x="517505" y="865448"/>
-                  <a:pt x="754611" y="659299"/>
-                </a:cubicBezTo>
-                <a:cubicBezTo>
-                  <a:pt x="987664" y="456610"/>
-                  <a:pt x="1264470" y="289449"/>
-                  <a:pt x="1555279" y="175950"/>
-                </a:cubicBezTo>
-                <a:cubicBezTo>
-                  <a:pt x="1853918" y="59181"/>
-                  <a:pt x="2157254" y="0"/>
-                  <a:pt x="2456537" y="0"/>
-                </a:cubicBezTo>
-                <a:close/>
-              </a:path>
-            </a:pathLst>
-          </a:custGeom>
-        </p:spPr>
-      </p:pic>
-      <p:sp>
-        <p:nvSpPr>
-          <p:cNvPr id="45" name="Slide Number Placeholder 31">
-            <a:extLst>
-              <a:ext uri="{FF2B5EF4-FFF2-40B4-BE49-F238E27FC236}">
-                <a16:creationId xmlns:a16="http://schemas.microsoft.com/office/drawing/2014/main" id="{33815EDF-8F7C-4409-9266-EF1F240D99FC}"/>
-              </a:ext>
-            </a:extLst>
-          </p:cNvPr>
-          <p:cNvSpPr>
-            <a:spLocks noGrp="1"/>
-          </p:cNvSpPr>
-          <p:nvPr>
-            <p:ph type="sldNum" sz="quarter" idx="12"/>
-          </p:nvPr>
-        </p:nvSpPr>
-        <p:spPr>
-          <a:xfrm>
-            <a:off x="13271507" y="6170490"/>
-            <a:ext cx="1188720" cy="457200"/>
-          </a:xfrm>
-        </p:spPr>
-        <p:txBody>
-          <a:bodyPr vert="horz" lIns="109728" tIns="109728" rIns="109728" bIns="91440" rtlCol="0" anchor="b">
-            <a:normAutofit/>
-          </a:bodyPr>
-          <a:lstStyle>
-            <a:lvl1pPr>
-              <a:defRPr>
-                <a:solidFill>
-                  <a:schemeClr val="tx1">
-                    <a:lumMod val="75000"/>
-                    <a:lumOff val="25000"/>
-                  </a:schemeClr>
-                </a:solidFill>
-                <a:effectLst/>
-              </a:defRPr>
-            </a:lvl1pPr>
-          </a:lstStyle>
-          <a:p>
-            <a:pPr algn="l">
-              <a:spcAft>
-                <a:spcPts val="600"/>
-              </a:spcAft>
-            </a:pPr>
-            <a:fld id="{FAEF9944-A4F6-4C59-AEBD-678D6480B8EA}" type="slidenum">
-              <a:rPr lang="en-US" smtClean="0"/>
-              <a:pPr algn="l">
-                <a:spcAft>
-                  <a:spcPts val="600"/>
-                </a:spcAft>
-              </a:pPr>
-              <a:t>8</a:t>
-            </a:fld>
-            <a:endParaRPr lang="en-US"/>
-          </a:p>
-        </p:txBody>
-      </p:sp>
-    </p:spTree>
-    <p:extLst>
-      <p:ext uri="{BB962C8B-B14F-4D97-AF65-F5344CB8AC3E}">
-        <p14:creationId xmlns:p14="http://schemas.microsoft.com/office/powerpoint/2010/main" val="3882031267"/>
       </p:ext>
     </p:extLst>
   </p:cSld>
@@ -31213,34 +31387,6 @@
 </file>
 
 <file path=customXml/item1.xml><?xml version="1.0" encoding="utf-8"?>
-<p:properties xmlns:p="http://schemas.microsoft.com/office/2006/metadata/properties" xmlns:xsi="http://www.w3.org/2001/XMLSchema-instance" xmlns:pc="http://schemas.microsoft.com/office/infopath/2007/PartnerControls">
-  <documentManagement>
-    <Status xmlns="71af3243-3dd4-4a8d-8c0d-dd76da1f02a5">Not started</Status>
-    <_ip_UnifiedCompliancePolicyUIAction xmlns="http://schemas.microsoft.com/sharepoint/v3" xsi:nil="true"/>
-    <Image xmlns="71af3243-3dd4-4a8d-8c0d-dd76da1f02a5">
-      <Url xsi:nil="true"/>
-      <Description xsi:nil="true"/>
-    </Image>
-    <_ip_UnifiedCompliancePolicyProperties xmlns="http://schemas.microsoft.com/sharepoint/v3" xsi:nil="true"/>
-    <lcf76f155ced4ddcb4097134ff3c332f xmlns="71af3243-3dd4-4a8d-8c0d-dd76da1f02a5">
-      <Terms xmlns="http://schemas.microsoft.com/office/infopath/2007/PartnerControls"/>
-    </lcf76f155ced4ddcb4097134ff3c332f>
-    <TaxCatchAll xmlns="230e9df3-be65-4c73-a93b-d1236ebd677e"/>
-    <MediaServiceKeyPoints xmlns="71af3243-3dd4-4a8d-8c0d-dd76da1f02a5" xsi:nil="true"/>
-  </documentManagement>
-</p:properties>
-</file>
-
-<file path=customXml/item2.xml><?xml version="1.0" encoding="utf-8"?>
-<?mso-contentType ?>
-<FormTemplates xmlns="http://schemas.microsoft.com/sharepoint/v3/contenttype/forms">
-  <Display>DocumentLibraryForm</Display>
-  <Edit>DocumentLibraryForm</Edit>
-  <New>DocumentLibraryForm</New>
-</FormTemplates>
-</file>
-
-<file path=customXml/item3.xml><?xml version="1.0" encoding="utf-8"?>
 <ct:contentTypeSchema xmlns:ct="http://schemas.microsoft.com/office/2006/metadata/contentType" xmlns:ma="http://schemas.microsoft.com/office/2006/metadata/properties/metaAttributes" ct:_="" ma:_="" ma:contentTypeName="Document" ma:contentTypeID="0x01010079F111ED35F8CC479449609E8A0923A6" ma:contentTypeVersion="18" ma:contentTypeDescription="Create a new document." ma:contentTypeScope="" ma:versionID="22a266b9fa9a230c5a512669d8b298c3">
   <xsd:schema xmlns:xsd="http://www.w3.org/2001/XMLSchema" xmlns:xs="http://www.w3.org/2001/XMLSchema" xmlns:p="http://schemas.microsoft.com/office/2006/metadata/properties" xmlns:ns1="http://schemas.microsoft.com/sharepoint/v3" xmlns:ns2="71af3243-3dd4-4a8d-8c0d-dd76da1f02a5" xmlns:ns3="16c05727-aa75-4e4a-9b5f-8a80a1165891" xmlns:ns4="230e9df3-be65-4c73-a93b-d1236ebd677e" targetNamespace="http://schemas.microsoft.com/office/2006/metadata/properties" ma:root="true" ma:fieldsID="eddc33fff6b14141ee5c74a0d29ea6a1" ns1:_="" ns2:_="" ns3:_="" ns4:_="">
     <xsd:import namespace="http://schemas.microsoft.com/sharepoint/v3"/>
@@ -31516,27 +31662,35 @@
 </ct:contentTypeSchema>
 </file>
 
-<file path=customXml/itemProps1.xml><?xml version="1.0" encoding="utf-8"?>
-<ds:datastoreItem xmlns:ds="http://schemas.openxmlformats.org/officeDocument/2006/customXml" ds:itemID="{C9E13122-F311-42FD-A551-F80E95967A7B}">
-  <ds:schemaRefs>
-    <ds:schemaRef ds:uri="http://schemas.microsoft.com/office/2006/metadata/properties"/>
-    <ds:schemaRef ds:uri="http://schemas.microsoft.com/office/infopath/2007/PartnerControls"/>
-    <ds:schemaRef ds:uri="71af3243-3dd4-4a8d-8c0d-dd76da1f02a5"/>
-    <ds:schemaRef ds:uri="http://schemas.microsoft.com/sharepoint/v3"/>
-    <ds:schemaRef ds:uri="230e9df3-be65-4c73-a93b-d1236ebd677e"/>
-  </ds:schemaRefs>
-</ds:datastoreItem>
+<file path=customXml/item2.xml><?xml version="1.0" encoding="utf-8"?>
+<?mso-contentType ?>
+<FormTemplates xmlns="http://schemas.microsoft.com/sharepoint/v3/contenttype/forms">
+  <Display>DocumentLibraryForm</Display>
+  <Edit>DocumentLibraryForm</Edit>
+  <New>DocumentLibraryForm</New>
+</FormTemplates>
 </file>
 
-<file path=customXml/itemProps2.xml><?xml version="1.0" encoding="utf-8"?>
-<ds:datastoreItem xmlns:ds="http://schemas.openxmlformats.org/officeDocument/2006/customXml" ds:itemID="{E8E41239-C5EC-4F83-8E98-7D7D6C2BBFDA}">
-  <ds:schemaRefs>
-    <ds:schemaRef ds:uri="http://schemas.microsoft.com/sharepoint/v3/contenttype/forms"/>
-  </ds:schemaRefs>
-</ds:datastoreItem>
+<file path=customXml/item3.xml><?xml version="1.0" encoding="utf-8"?>
+<p:properties xmlns:p="http://schemas.microsoft.com/office/2006/metadata/properties" xmlns:xsi="http://www.w3.org/2001/XMLSchema-instance" xmlns:pc="http://schemas.microsoft.com/office/infopath/2007/PartnerControls">
+  <documentManagement>
+    <Status xmlns="71af3243-3dd4-4a8d-8c0d-dd76da1f02a5">Not started</Status>
+    <_ip_UnifiedCompliancePolicyUIAction xmlns="http://schemas.microsoft.com/sharepoint/v3" xsi:nil="true"/>
+    <Image xmlns="71af3243-3dd4-4a8d-8c0d-dd76da1f02a5">
+      <Url xsi:nil="true"/>
+      <Description xsi:nil="true"/>
+    </Image>
+    <_ip_UnifiedCompliancePolicyProperties xmlns="http://schemas.microsoft.com/sharepoint/v3" xsi:nil="true"/>
+    <lcf76f155ced4ddcb4097134ff3c332f xmlns="71af3243-3dd4-4a8d-8c0d-dd76da1f02a5">
+      <Terms xmlns="http://schemas.microsoft.com/office/infopath/2007/PartnerControls"/>
+    </lcf76f155ced4ddcb4097134ff3c332f>
+    <TaxCatchAll xmlns="230e9df3-be65-4c73-a93b-d1236ebd677e"/>
+    <MediaServiceKeyPoints xmlns="71af3243-3dd4-4a8d-8c0d-dd76da1f02a5" xsi:nil="true"/>
+  </documentManagement>
+</p:properties>
 </file>
 
-<file path=customXml/itemProps3.xml><?xml version="1.0" encoding="utf-8"?>
+<file path=customXml/itemProps1.xml><?xml version="1.0" encoding="utf-8"?>
 <ds:datastoreItem xmlns:ds="http://schemas.openxmlformats.org/officeDocument/2006/customXml" ds:itemID="{4BD88FD9-F816-4DDA-AB4F-EFDCB988DBD5}">
   <ds:schemaRefs>
     <ds:schemaRef ds:uri="http://schemas.microsoft.com/office/2006/metadata/contentType"/>
@@ -31555,4 +31709,24 @@
     <ds:schemaRef ds:uri="http://schemas.microsoft.com/internal/obd"/>
   </ds:schemaRefs>
 </ds:datastoreItem>
+</file>
+
+<file path=customXml/itemProps2.xml><?xml version="1.0" encoding="utf-8"?>
+<ds:datastoreItem xmlns:ds="http://schemas.openxmlformats.org/officeDocument/2006/customXml" ds:itemID="{E8E41239-C5EC-4F83-8E98-7D7D6C2BBFDA}">
+  <ds:schemaRefs>
+    <ds:schemaRef ds:uri="http://schemas.microsoft.com/sharepoint/v3/contenttype/forms"/>
+  </ds:schemaRefs>
+</ds:datastoreItem>
+</file>
+
+<file path=customXml/itemProps3.xml><?xml version="1.0" encoding="utf-8"?>
+<ds:datastoreItem xmlns:ds="http://schemas.openxmlformats.org/officeDocument/2006/customXml" ds:itemID="{C9E13122-F311-42FD-A551-F80E95967A7B}">
+  <ds:schemaRefs>
+    <ds:schemaRef ds:uri="http://schemas.microsoft.com/office/2006/metadata/properties"/>
+    <ds:schemaRef ds:uri="http://schemas.microsoft.com/office/infopath/2007/PartnerControls"/>
+    <ds:schemaRef ds:uri="71af3243-3dd4-4a8d-8c0d-dd76da1f02a5"/>
+    <ds:schemaRef ds:uri="http://schemas.microsoft.com/sharepoint/v3"/>
+    <ds:schemaRef ds:uri="230e9df3-be65-4c73-a93b-d1236ebd677e"/>
+  </ds:schemaRefs>
+</ds:datastoreItem>
 </file>
--- a/Presentations/Proposal_Presentation.pptx
+++ b/Presentations/Proposal_Presentation.pptx
@@ -223,7 +223,7 @@
           <a:p>
             <a:fld id="{B80D95BA-7ABD-45D4-B691-9F58B13542F8}" type="datetimeFigureOut">
               <a:rPr lang="en-US" smtClean="0"/>
-              <a:t>10/25/2021</a:t>
+              <a:t>10/28/2021</a:t>
             </a:fld>
             <a:endParaRPr lang="en-US" dirty="0"/>
           </a:p>
@@ -400,7 +400,7 @@
           <a:p>
             <a:fld id="{599D14A6-BAC8-4A71-919C-314181CF34EF}" type="datetimeFigureOut">
               <a:rPr lang="en-US" smtClean="0"/>
-              <a:t>10/25/2021</a:t>
+              <a:t>10/28/2021</a:t>
             </a:fld>
             <a:endParaRPr lang="en-US" dirty="0"/>
           </a:p>
@@ -30379,7 +30379,7 @@
           <a:p>
             <a:r>
               <a:rPr lang="en-US" dirty="0"/>
-              <a:t>-lalindu-</a:t>
+              <a:t>-lalindu Wenasara Sudasingha-</a:t>
             </a:r>
           </a:p>
         </p:txBody>
@@ -31387,6 +31387,34 @@
 </file>
 
 <file path=customXml/item1.xml><?xml version="1.0" encoding="utf-8"?>
+<p:properties xmlns:p="http://schemas.microsoft.com/office/2006/metadata/properties" xmlns:xsi="http://www.w3.org/2001/XMLSchema-instance" xmlns:pc="http://schemas.microsoft.com/office/infopath/2007/PartnerControls">
+  <documentManagement>
+    <Status xmlns="71af3243-3dd4-4a8d-8c0d-dd76da1f02a5">Not started</Status>
+    <_ip_UnifiedCompliancePolicyUIAction xmlns="http://schemas.microsoft.com/sharepoint/v3" xsi:nil="true"/>
+    <Image xmlns="71af3243-3dd4-4a8d-8c0d-dd76da1f02a5">
+      <Url xsi:nil="true"/>
+      <Description xsi:nil="true"/>
+    </Image>
+    <_ip_UnifiedCompliancePolicyProperties xmlns="http://schemas.microsoft.com/sharepoint/v3" xsi:nil="true"/>
+    <lcf76f155ced4ddcb4097134ff3c332f xmlns="71af3243-3dd4-4a8d-8c0d-dd76da1f02a5">
+      <Terms xmlns="http://schemas.microsoft.com/office/infopath/2007/PartnerControls"/>
+    </lcf76f155ced4ddcb4097134ff3c332f>
+    <TaxCatchAll xmlns="230e9df3-be65-4c73-a93b-d1236ebd677e"/>
+    <MediaServiceKeyPoints xmlns="71af3243-3dd4-4a8d-8c0d-dd76da1f02a5" xsi:nil="true"/>
+  </documentManagement>
+</p:properties>
+</file>
+
+<file path=customXml/item2.xml><?xml version="1.0" encoding="utf-8"?>
+<?mso-contentType ?>
+<FormTemplates xmlns="http://schemas.microsoft.com/sharepoint/v3/contenttype/forms">
+  <Display>DocumentLibraryForm</Display>
+  <Edit>DocumentLibraryForm</Edit>
+  <New>DocumentLibraryForm</New>
+</FormTemplates>
+</file>
+
+<file path=customXml/item3.xml><?xml version="1.0" encoding="utf-8"?>
 <ct:contentTypeSchema xmlns:ct="http://schemas.microsoft.com/office/2006/metadata/contentType" xmlns:ma="http://schemas.microsoft.com/office/2006/metadata/properties/metaAttributes" ct:_="" ma:_="" ma:contentTypeName="Document" ma:contentTypeID="0x01010079F111ED35F8CC479449609E8A0923A6" ma:contentTypeVersion="18" ma:contentTypeDescription="Create a new document." ma:contentTypeScope="" ma:versionID="22a266b9fa9a230c5a512669d8b298c3">
   <xsd:schema xmlns:xsd="http://www.w3.org/2001/XMLSchema" xmlns:xs="http://www.w3.org/2001/XMLSchema" xmlns:p="http://schemas.microsoft.com/office/2006/metadata/properties" xmlns:ns1="http://schemas.microsoft.com/sharepoint/v3" xmlns:ns2="71af3243-3dd4-4a8d-8c0d-dd76da1f02a5" xmlns:ns3="16c05727-aa75-4e4a-9b5f-8a80a1165891" xmlns:ns4="230e9df3-be65-4c73-a93b-d1236ebd677e" targetNamespace="http://schemas.microsoft.com/office/2006/metadata/properties" ma:root="true" ma:fieldsID="eddc33fff6b14141ee5c74a0d29ea6a1" ns1:_="" ns2:_="" ns3:_="" ns4:_="">
     <xsd:import namespace="http://schemas.microsoft.com/sharepoint/v3"/>
@@ -31662,35 +31690,27 @@
 </ct:contentTypeSchema>
 </file>
 
-<file path=customXml/item2.xml><?xml version="1.0" encoding="utf-8"?>
-<?mso-contentType ?>
-<FormTemplates xmlns="http://schemas.microsoft.com/sharepoint/v3/contenttype/forms">
-  <Display>DocumentLibraryForm</Display>
-  <Edit>DocumentLibraryForm</Edit>
-  <New>DocumentLibraryForm</New>
-</FormTemplates>
+<file path=customXml/itemProps1.xml><?xml version="1.0" encoding="utf-8"?>
+<ds:datastoreItem xmlns:ds="http://schemas.openxmlformats.org/officeDocument/2006/customXml" ds:itemID="{C9E13122-F311-42FD-A551-F80E95967A7B}">
+  <ds:schemaRefs>
+    <ds:schemaRef ds:uri="http://schemas.microsoft.com/office/2006/metadata/properties"/>
+    <ds:schemaRef ds:uri="http://schemas.microsoft.com/office/infopath/2007/PartnerControls"/>
+    <ds:schemaRef ds:uri="71af3243-3dd4-4a8d-8c0d-dd76da1f02a5"/>
+    <ds:schemaRef ds:uri="http://schemas.microsoft.com/sharepoint/v3"/>
+    <ds:schemaRef ds:uri="230e9df3-be65-4c73-a93b-d1236ebd677e"/>
+  </ds:schemaRefs>
+</ds:datastoreItem>
 </file>
 
-<file path=customXml/item3.xml><?xml version="1.0" encoding="utf-8"?>
-<p:properties xmlns:p="http://schemas.microsoft.com/office/2006/metadata/properties" xmlns:xsi="http://www.w3.org/2001/XMLSchema-instance" xmlns:pc="http://schemas.microsoft.com/office/infopath/2007/PartnerControls">
-  <documentManagement>
-    <Status xmlns="71af3243-3dd4-4a8d-8c0d-dd76da1f02a5">Not started</Status>
-    <_ip_UnifiedCompliancePolicyUIAction xmlns="http://schemas.microsoft.com/sharepoint/v3" xsi:nil="true"/>
-    <Image xmlns="71af3243-3dd4-4a8d-8c0d-dd76da1f02a5">
-      <Url xsi:nil="true"/>
-      <Description xsi:nil="true"/>
-    </Image>
-    <_ip_UnifiedCompliancePolicyProperties xmlns="http://schemas.microsoft.com/sharepoint/v3" xsi:nil="true"/>
-    <lcf76f155ced4ddcb4097134ff3c332f xmlns="71af3243-3dd4-4a8d-8c0d-dd76da1f02a5">
-      <Terms xmlns="http://schemas.microsoft.com/office/infopath/2007/PartnerControls"/>
-    </lcf76f155ced4ddcb4097134ff3c332f>
-    <TaxCatchAll xmlns="230e9df3-be65-4c73-a93b-d1236ebd677e"/>
-    <MediaServiceKeyPoints xmlns="71af3243-3dd4-4a8d-8c0d-dd76da1f02a5" xsi:nil="true"/>
-  </documentManagement>
-</p:properties>
+<file path=customXml/itemProps2.xml><?xml version="1.0" encoding="utf-8"?>
+<ds:datastoreItem xmlns:ds="http://schemas.openxmlformats.org/officeDocument/2006/customXml" ds:itemID="{E8E41239-C5EC-4F83-8E98-7D7D6C2BBFDA}">
+  <ds:schemaRefs>
+    <ds:schemaRef ds:uri="http://schemas.microsoft.com/sharepoint/v3/contenttype/forms"/>
+  </ds:schemaRefs>
+</ds:datastoreItem>
 </file>
 
-<file path=customXml/itemProps1.xml><?xml version="1.0" encoding="utf-8"?>
+<file path=customXml/itemProps3.xml><?xml version="1.0" encoding="utf-8"?>
 <ds:datastoreItem xmlns:ds="http://schemas.openxmlformats.org/officeDocument/2006/customXml" ds:itemID="{4BD88FD9-F816-4DDA-AB4F-EFDCB988DBD5}">
   <ds:schemaRefs>
     <ds:schemaRef ds:uri="http://schemas.microsoft.com/office/2006/metadata/contentType"/>
@@ -31709,24 +31729,4 @@
     <ds:schemaRef ds:uri="http://schemas.microsoft.com/internal/obd"/>
   </ds:schemaRefs>
 </ds:datastoreItem>
-</file>
-
-<file path=customXml/itemProps2.xml><?xml version="1.0" encoding="utf-8"?>
-<ds:datastoreItem xmlns:ds="http://schemas.openxmlformats.org/officeDocument/2006/customXml" ds:itemID="{E8E41239-C5EC-4F83-8E98-7D7D6C2BBFDA}">
-  <ds:schemaRefs>
-    <ds:schemaRef ds:uri="http://schemas.microsoft.com/sharepoint/v3/contenttype/forms"/>
-  </ds:schemaRefs>
-</ds:datastoreItem>
-</file>
-
-<file path=customXml/itemProps3.xml><?xml version="1.0" encoding="utf-8"?>
-<ds:datastoreItem xmlns:ds="http://schemas.openxmlformats.org/officeDocument/2006/customXml" ds:itemID="{C9E13122-F311-42FD-A551-F80E95967A7B}">
-  <ds:schemaRefs>
-    <ds:schemaRef ds:uri="http://schemas.microsoft.com/office/2006/metadata/properties"/>
-    <ds:schemaRef ds:uri="http://schemas.microsoft.com/office/infopath/2007/PartnerControls"/>
-    <ds:schemaRef ds:uri="71af3243-3dd4-4a8d-8c0d-dd76da1f02a5"/>
-    <ds:schemaRef ds:uri="http://schemas.microsoft.com/sharepoint/v3"/>
-    <ds:schemaRef ds:uri="230e9df3-be65-4c73-a93b-d1236ebd677e"/>
-  </ds:schemaRefs>
-</ds:datastoreItem>
 </file>